--- a/style/pptx-template-1.pptx
+++ b/style/pptx-template-1.pptx
@@ -2,7 +2,7 @@
 <file path=ppt/presentation.xml><?xml version="1.0" encoding="utf-8"?>
 <p:presentation xmlns:a="http://schemas.openxmlformats.org/drawingml/2006/main" xmlns:r="http://schemas.openxmlformats.org/officeDocument/2006/relationships" xmlns:p="http://schemas.openxmlformats.org/presentationml/2006/main" saveSubsetFonts="1" autoCompressPictures="0">
   <p:sldMasterIdLst>
-    <p:sldMasterId id="2147483648" r:id="rId1"/>
+    <p:sldMasterId id="2147483672" r:id="rId1"/>
   </p:sldMasterIdLst>
   <p:sldIdLst>
     <p:sldId id="256" r:id="rId2"/>
@@ -139,7 +139,7 @@
 
 <file path=ppt/slideLayouts/slideLayout1.xml><?xml version="1.0" encoding="utf-8"?>
 <p:sldLayout xmlns:a="http://schemas.openxmlformats.org/drawingml/2006/main" xmlns:r="http://schemas.openxmlformats.org/officeDocument/2006/relationships" xmlns:p="http://schemas.openxmlformats.org/presentationml/2006/main" type="title" preserve="1">
-  <p:cSld name="Title Slide">
+  <p:cSld name="标题幻灯片">
     <p:spTree>
       <p:nvGrpSpPr>
         <p:cNvPr id="1" name=""/>
@@ -156,7 +156,7 @@
       </p:grpSpPr>
       <p:sp>
         <p:nvSpPr>
-          <p:cNvPr id="2" name="Title 1"/>
+          <p:cNvPr id="2" name="标题 1"/>
           <p:cNvSpPr>
             <a:spLocks noGrp="1"/>
           </p:cNvSpPr>
@@ -166,25 +166,34 @@
         </p:nvSpPr>
         <p:spPr>
           <a:xfrm>
-            <a:off x="685800" y="1775355"/>
-            <a:ext cx="7772400" cy="1225021"/>
+            <a:off x="1143000" y="935302"/>
+            <a:ext cx="6858000" cy="1989667"/>
           </a:xfrm>
         </p:spPr>
         <p:txBody>
-          <a:bodyPr/>
-          <a:lstStyle/>
-          <a:p>
-            <a:r>
-              <a:rPr lang="en-US" smtClean="0"/>
-              <a:t>Click to edit Master title style</a:t>
-            </a:r>
-            <a:endParaRPr lang="en-US"/>
-          </a:p>
-        </p:txBody>
-      </p:sp>
-      <p:sp>
-        <p:nvSpPr>
-          <p:cNvPr id="3" name="Subtitle 2"/>
+          <a:bodyPr anchor="b">
+            <a:normAutofit/>
+          </a:bodyPr>
+          <a:lstStyle>
+            <a:lvl1pPr algn="ctr">
+              <a:defRPr sz="3200">
+                <a:latin typeface="微软雅黑" panose="020B0503020204020204" pitchFamily="34" charset="-122"/>
+                <a:ea typeface="微软雅黑" panose="020B0503020204020204" pitchFamily="34" charset="-122"/>
+              </a:defRPr>
+            </a:lvl1pPr>
+          </a:lstStyle>
+          <a:p>
+            <a:r>
+              <a:rPr lang="zh-CN" altLang="en-US" dirty="0" smtClean="0"/>
+              <a:t>单击此处编辑母版标题样式</a:t>
+            </a:r>
+            <a:endParaRPr lang="zh-CN" altLang="en-US" dirty="0"/>
+          </a:p>
+        </p:txBody>
+      </p:sp>
+      <p:sp>
+        <p:nvSpPr>
+          <p:cNvPr id="3" name="副标题 2"/>
           <p:cNvSpPr>
             <a:spLocks noGrp="1"/>
           </p:cNvSpPr>
@@ -194,8 +203,8 @@
         </p:nvSpPr>
         <p:spPr>
           <a:xfrm>
-            <a:off x="1371600" y="3238500"/>
-            <a:ext cx="6400800" cy="1460500"/>
+            <a:off x="1143000" y="3001698"/>
+            <a:ext cx="6858000" cy="1379802"/>
           </a:xfrm>
         </p:spPr>
         <p:txBody>
@@ -203,107 +212,53 @@
           <a:lstStyle>
             <a:lvl1pPr marL="0" indent="0" algn="ctr">
               <a:buNone/>
-              <a:defRPr>
-                <a:solidFill>
-                  <a:schemeClr val="tx1">
-                    <a:tint val="75000"/>
-                  </a:schemeClr>
-                </a:solidFill>
-              </a:defRPr>
+              <a:defRPr sz="1800"/>
             </a:lvl1pPr>
-            <a:lvl2pPr marL="380985" indent="0" algn="ctr">
-              <a:buNone/>
-              <a:defRPr>
-                <a:solidFill>
-                  <a:schemeClr val="tx1">
-                    <a:tint val="75000"/>
-                  </a:schemeClr>
-                </a:solidFill>
-              </a:defRPr>
+            <a:lvl2pPr marL="342900" indent="0" algn="ctr">
+              <a:buNone/>
+              <a:defRPr sz="1500"/>
             </a:lvl2pPr>
-            <a:lvl3pPr marL="761970" indent="0" algn="ctr">
-              <a:buNone/>
-              <a:defRPr>
-                <a:solidFill>
-                  <a:schemeClr val="tx1">
-                    <a:tint val="75000"/>
-                  </a:schemeClr>
-                </a:solidFill>
-              </a:defRPr>
+            <a:lvl3pPr marL="685800" indent="0" algn="ctr">
+              <a:buNone/>
+              <a:defRPr sz="1350"/>
             </a:lvl3pPr>
-            <a:lvl4pPr marL="1142954" indent="0" algn="ctr">
-              <a:buNone/>
-              <a:defRPr>
-                <a:solidFill>
-                  <a:schemeClr val="tx1">
-                    <a:tint val="75000"/>
-                  </a:schemeClr>
-                </a:solidFill>
-              </a:defRPr>
+            <a:lvl4pPr marL="1028700" indent="0" algn="ctr">
+              <a:buNone/>
+              <a:defRPr sz="1200"/>
             </a:lvl4pPr>
-            <a:lvl5pPr marL="1523939" indent="0" algn="ctr">
-              <a:buNone/>
-              <a:defRPr>
-                <a:solidFill>
-                  <a:schemeClr val="tx1">
-                    <a:tint val="75000"/>
-                  </a:schemeClr>
-                </a:solidFill>
-              </a:defRPr>
+            <a:lvl5pPr marL="1371600" indent="0" algn="ctr">
+              <a:buNone/>
+              <a:defRPr sz="1200"/>
             </a:lvl5pPr>
-            <a:lvl6pPr marL="1904924" indent="0" algn="ctr">
-              <a:buNone/>
-              <a:defRPr>
-                <a:solidFill>
-                  <a:schemeClr val="tx1">
-                    <a:tint val="75000"/>
-                  </a:schemeClr>
-                </a:solidFill>
-              </a:defRPr>
+            <a:lvl6pPr marL="1714500" indent="0" algn="ctr">
+              <a:buNone/>
+              <a:defRPr sz="1200"/>
             </a:lvl6pPr>
-            <a:lvl7pPr marL="2285909" indent="0" algn="ctr">
-              <a:buNone/>
-              <a:defRPr>
-                <a:solidFill>
-                  <a:schemeClr val="tx1">
-                    <a:tint val="75000"/>
-                  </a:schemeClr>
-                </a:solidFill>
-              </a:defRPr>
+            <a:lvl7pPr marL="2057400" indent="0" algn="ctr">
+              <a:buNone/>
+              <a:defRPr sz="1200"/>
             </a:lvl7pPr>
-            <a:lvl8pPr marL="2666893" indent="0" algn="ctr">
-              <a:buNone/>
-              <a:defRPr>
-                <a:solidFill>
-                  <a:schemeClr val="tx1">
-                    <a:tint val="75000"/>
-                  </a:schemeClr>
-                </a:solidFill>
-              </a:defRPr>
+            <a:lvl8pPr marL="2400300" indent="0" algn="ctr">
+              <a:buNone/>
+              <a:defRPr sz="1200"/>
             </a:lvl8pPr>
-            <a:lvl9pPr marL="3047878" indent="0" algn="ctr">
-              <a:buNone/>
-              <a:defRPr>
-                <a:solidFill>
-                  <a:schemeClr val="tx1">
-                    <a:tint val="75000"/>
-                  </a:schemeClr>
-                </a:solidFill>
-              </a:defRPr>
+            <a:lvl9pPr marL="2743200" indent="0" algn="ctr">
+              <a:buNone/>
+              <a:defRPr sz="1200"/>
             </a:lvl9pPr>
           </a:lstStyle>
           <a:p>
             <a:r>
-              <a:rPr lang="en-US" smtClean="0"/>
-              <a:t>Click to edit Master subtitle style</a:t>
-            </a:r>
-            <a:endParaRPr lang="en-US"/>
-          </a:p>
-        </p:txBody>
-      </p:sp>
-      <p:sp>
-        <p:nvSpPr>
-          <p:cNvPr id="4" name="Date Placeholder 3"/>
+              <a:rPr lang="zh-CN" altLang="en-US" smtClean="0"/>
+              <a:t>单击此处编辑母版副标题样式</a:t>
+            </a:r>
+            <a:endParaRPr lang="zh-CN" altLang="en-US"/>
+          </a:p>
+        </p:txBody>
+      </p:sp>
+      <p:sp>
+        <p:nvSpPr>
+          <p:cNvPr id="4" name="日期占位符 3"/>
           <p:cNvSpPr>
             <a:spLocks noGrp="1"/>
           </p:cNvSpPr>
@@ -326,7 +281,7 @@
       </p:sp>
       <p:sp>
         <p:nvSpPr>
-          <p:cNvPr id="5" name="Footer Placeholder 4"/>
+          <p:cNvPr id="5" name="页脚占位符 4"/>
           <p:cNvSpPr>
             <a:spLocks noGrp="1"/>
           </p:cNvSpPr>
@@ -345,7 +300,7 @@
       </p:sp>
       <p:sp>
         <p:nvSpPr>
-          <p:cNvPr id="6" name="Slide Number Placeholder 5"/>
+          <p:cNvPr id="6" name="灯片编号占位符 5"/>
           <p:cNvSpPr>
             <a:spLocks noGrp="1"/>
           </p:cNvSpPr>
@@ -369,7 +324,7 @@
     </p:spTree>
     <p:extLst>
       <p:ext uri="{BB962C8B-B14F-4D97-AF65-F5344CB8AC3E}">
-        <p14:creationId xmlns:p14="http://schemas.microsoft.com/office/powerpoint/2010/main" val="1444357513"/>
+        <p14:creationId xmlns:p14="http://schemas.microsoft.com/office/powerpoint/2010/main" val="1819432641"/>
       </p:ext>
     </p:extLst>
   </p:cSld>
@@ -381,7 +336,7 @@
 
 <file path=ppt/slideLayouts/slideLayout10.xml><?xml version="1.0" encoding="utf-8"?>
 <p:sldLayout xmlns:a="http://schemas.openxmlformats.org/drawingml/2006/main" xmlns:r="http://schemas.openxmlformats.org/officeDocument/2006/relationships" xmlns:p="http://schemas.openxmlformats.org/presentationml/2006/main" type="vertTx" preserve="1">
-  <p:cSld name="Title and Vertical Text">
+  <p:cSld name="标题和竖排文字">
     <p:spTree>
       <p:nvGrpSpPr>
         <p:cNvPr id="1" name=""/>
@@ -398,7 +353,7 @@
       </p:grpSpPr>
       <p:sp>
         <p:nvSpPr>
-          <p:cNvPr id="2" name="Title 1"/>
+          <p:cNvPr id="2" name="标题 1"/>
           <p:cNvSpPr>
             <a:spLocks noGrp="1"/>
           </p:cNvSpPr>
@@ -412,16 +367,16 @@
           <a:lstStyle/>
           <a:p>
             <a:r>
-              <a:rPr lang="en-US" smtClean="0"/>
-              <a:t>Click to edit Master title style</a:t>
-            </a:r>
-            <a:endParaRPr lang="en-US"/>
-          </a:p>
-        </p:txBody>
-      </p:sp>
-      <p:sp>
-        <p:nvSpPr>
-          <p:cNvPr id="3" name="Vertical Text Placeholder 2"/>
+              <a:rPr lang="zh-CN" altLang="en-US" smtClean="0"/>
+              <a:t>单击此处编辑母版标题样式</a:t>
+            </a:r>
+            <a:endParaRPr lang="zh-CN" altLang="en-US"/>
+          </a:p>
+        </p:txBody>
+      </p:sp>
+      <p:sp>
+        <p:nvSpPr>
+          <p:cNvPr id="3" name="竖排文字占位符 2"/>
           <p:cNvSpPr>
             <a:spLocks noGrp="1"/>
           </p:cNvSpPr>
@@ -436,44 +391,44 @@
           <a:p>
             <a:pPr lvl="0"/>
             <a:r>
-              <a:rPr lang="en-US" smtClean="0"/>
-              <a:t>Click to edit Master text styles</a:t>
+              <a:rPr lang="zh-CN" altLang="en-US" smtClean="0"/>
+              <a:t>单击此处编辑母版文本样式</a:t>
             </a:r>
           </a:p>
           <a:p>
             <a:pPr lvl="1"/>
             <a:r>
-              <a:rPr lang="en-US" smtClean="0"/>
-              <a:t>Second level</a:t>
+              <a:rPr lang="zh-CN" altLang="en-US" smtClean="0"/>
+              <a:t>第二级</a:t>
             </a:r>
           </a:p>
           <a:p>
             <a:pPr lvl="2"/>
             <a:r>
-              <a:rPr lang="en-US" smtClean="0"/>
-              <a:t>Third level</a:t>
+              <a:rPr lang="zh-CN" altLang="en-US" smtClean="0"/>
+              <a:t>第三级</a:t>
             </a:r>
           </a:p>
           <a:p>
             <a:pPr lvl="3"/>
             <a:r>
-              <a:rPr lang="en-US" smtClean="0"/>
-              <a:t>Fourth level</a:t>
+              <a:rPr lang="zh-CN" altLang="en-US" smtClean="0"/>
+              <a:t>第四级</a:t>
             </a:r>
           </a:p>
           <a:p>
             <a:pPr lvl="4"/>
             <a:r>
-              <a:rPr lang="en-US" smtClean="0"/>
-              <a:t>Fifth level</a:t>
-            </a:r>
-            <a:endParaRPr lang="en-US"/>
-          </a:p>
-        </p:txBody>
-      </p:sp>
-      <p:sp>
-        <p:nvSpPr>
-          <p:cNvPr id="4" name="Date Placeholder 3"/>
+              <a:rPr lang="zh-CN" altLang="en-US" smtClean="0"/>
+              <a:t>第五级</a:t>
+            </a:r>
+            <a:endParaRPr lang="zh-CN" altLang="en-US"/>
+          </a:p>
+        </p:txBody>
+      </p:sp>
+      <p:sp>
+        <p:nvSpPr>
+          <p:cNvPr id="4" name="日期占位符 3"/>
           <p:cNvSpPr>
             <a:spLocks noGrp="1"/>
           </p:cNvSpPr>
@@ -496,7 +451,7 @@
       </p:sp>
       <p:sp>
         <p:nvSpPr>
-          <p:cNvPr id="5" name="Footer Placeholder 4"/>
+          <p:cNvPr id="5" name="页脚占位符 4"/>
           <p:cNvSpPr>
             <a:spLocks noGrp="1"/>
           </p:cNvSpPr>
@@ -515,7 +470,7 @@
       </p:sp>
       <p:sp>
         <p:nvSpPr>
-          <p:cNvPr id="6" name="Slide Number Placeholder 5"/>
+          <p:cNvPr id="6" name="灯片编号占位符 5"/>
           <p:cNvSpPr>
             <a:spLocks noGrp="1"/>
           </p:cNvSpPr>
@@ -539,7 +494,7 @@
     </p:spTree>
     <p:extLst>
       <p:ext uri="{BB962C8B-B14F-4D97-AF65-F5344CB8AC3E}">
-        <p14:creationId xmlns:p14="http://schemas.microsoft.com/office/powerpoint/2010/main" val="313914798"/>
+        <p14:creationId xmlns:p14="http://schemas.microsoft.com/office/powerpoint/2010/main" val="867546397"/>
       </p:ext>
     </p:extLst>
   </p:cSld>
@@ -551,7 +506,7 @@
 
 <file path=ppt/slideLayouts/slideLayout11.xml><?xml version="1.0" encoding="utf-8"?>
 <p:sldLayout xmlns:a="http://schemas.openxmlformats.org/drawingml/2006/main" xmlns:r="http://schemas.openxmlformats.org/officeDocument/2006/relationships" xmlns:p="http://schemas.openxmlformats.org/presentationml/2006/main" type="vertTitleAndTx" preserve="1">
-  <p:cSld name="Vertical Title and Text">
+  <p:cSld name="垂直排列标题与&#10;文本">
     <p:spTree>
       <p:nvGrpSpPr>
         <p:cNvPr id="1" name=""/>
@@ -568,7 +523,7 @@
       </p:grpSpPr>
       <p:sp>
         <p:nvSpPr>
-          <p:cNvPr id="2" name="Vertical Title 1"/>
+          <p:cNvPr id="2" name="竖排标题 1"/>
           <p:cNvSpPr>
             <a:spLocks noGrp="1"/>
           </p:cNvSpPr>
@@ -578,8 +533,8 @@
         </p:nvSpPr>
         <p:spPr>
           <a:xfrm>
-            <a:off x="6629400" y="228865"/>
-            <a:ext cx="2057400" cy="4876271"/>
+            <a:off x="6543675" y="304271"/>
+            <a:ext cx="1971675" cy="4843198"/>
           </a:xfrm>
         </p:spPr>
         <p:txBody>
@@ -587,16 +542,16 @@
           <a:lstStyle/>
           <a:p>
             <a:r>
-              <a:rPr lang="en-US" smtClean="0"/>
-              <a:t>Click to edit Master title style</a:t>
-            </a:r>
-            <a:endParaRPr lang="en-US"/>
-          </a:p>
-        </p:txBody>
-      </p:sp>
-      <p:sp>
-        <p:nvSpPr>
-          <p:cNvPr id="3" name="Vertical Text Placeholder 2"/>
+              <a:rPr lang="zh-CN" altLang="en-US" smtClean="0"/>
+              <a:t>单击此处编辑母版标题样式</a:t>
+            </a:r>
+            <a:endParaRPr lang="zh-CN" altLang="en-US"/>
+          </a:p>
+        </p:txBody>
+      </p:sp>
+      <p:sp>
+        <p:nvSpPr>
+          <p:cNvPr id="3" name="竖排文字占位符 2"/>
           <p:cNvSpPr>
             <a:spLocks noGrp="1"/>
           </p:cNvSpPr>
@@ -606,8 +561,8 @@
         </p:nvSpPr>
         <p:spPr>
           <a:xfrm>
-            <a:off x="457200" y="228865"/>
-            <a:ext cx="6019800" cy="4876271"/>
+            <a:off x="628650" y="304271"/>
+            <a:ext cx="5800725" cy="4843198"/>
           </a:xfrm>
         </p:spPr>
         <p:txBody>
@@ -616,44 +571,44 @@
           <a:p>
             <a:pPr lvl="0"/>
             <a:r>
-              <a:rPr lang="en-US" smtClean="0"/>
-              <a:t>Click to edit Master text styles</a:t>
+              <a:rPr lang="zh-CN" altLang="en-US" smtClean="0"/>
+              <a:t>单击此处编辑母版文本样式</a:t>
             </a:r>
           </a:p>
           <a:p>
             <a:pPr lvl="1"/>
             <a:r>
-              <a:rPr lang="en-US" smtClean="0"/>
-              <a:t>Second level</a:t>
+              <a:rPr lang="zh-CN" altLang="en-US" smtClean="0"/>
+              <a:t>第二级</a:t>
             </a:r>
           </a:p>
           <a:p>
             <a:pPr lvl="2"/>
             <a:r>
-              <a:rPr lang="en-US" smtClean="0"/>
-              <a:t>Third level</a:t>
+              <a:rPr lang="zh-CN" altLang="en-US" smtClean="0"/>
+              <a:t>第三级</a:t>
             </a:r>
           </a:p>
           <a:p>
             <a:pPr lvl="3"/>
             <a:r>
-              <a:rPr lang="en-US" smtClean="0"/>
-              <a:t>Fourth level</a:t>
+              <a:rPr lang="zh-CN" altLang="en-US" smtClean="0"/>
+              <a:t>第四级</a:t>
             </a:r>
           </a:p>
           <a:p>
             <a:pPr lvl="4"/>
             <a:r>
-              <a:rPr lang="en-US" smtClean="0"/>
-              <a:t>Fifth level</a:t>
-            </a:r>
-            <a:endParaRPr lang="en-US"/>
-          </a:p>
-        </p:txBody>
-      </p:sp>
-      <p:sp>
-        <p:nvSpPr>
-          <p:cNvPr id="4" name="Date Placeholder 3"/>
+              <a:rPr lang="zh-CN" altLang="en-US" smtClean="0"/>
+              <a:t>第五级</a:t>
+            </a:r>
+            <a:endParaRPr lang="zh-CN" altLang="en-US"/>
+          </a:p>
+        </p:txBody>
+      </p:sp>
+      <p:sp>
+        <p:nvSpPr>
+          <p:cNvPr id="4" name="日期占位符 3"/>
           <p:cNvSpPr>
             <a:spLocks noGrp="1"/>
           </p:cNvSpPr>
@@ -676,7 +631,7 @@
       </p:sp>
       <p:sp>
         <p:nvSpPr>
-          <p:cNvPr id="5" name="Footer Placeholder 4"/>
+          <p:cNvPr id="5" name="页脚占位符 4"/>
           <p:cNvSpPr>
             <a:spLocks noGrp="1"/>
           </p:cNvSpPr>
@@ -695,7 +650,7 @@
       </p:sp>
       <p:sp>
         <p:nvSpPr>
-          <p:cNvPr id="6" name="Slide Number Placeholder 5"/>
+          <p:cNvPr id="6" name="灯片编号占位符 5"/>
           <p:cNvSpPr>
             <a:spLocks noGrp="1"/>
           </p:cNvSpPr>
@@ -719,7 +674,7 @@
     </p:spTree>
     <p:extLst>
       <p:ext uri="{BB962C8B-B14F-4D97-AF65-F5344CB8AC3E}">
-        <p14:creationId xmlns:p14="http://schemas.microsoft.com/office/powerpoint/2010/main" val="2581529045"/>
+        <p14:creationId xmlns:p14="http://schemas.microsoft.com/office/powerpoint/2010/main" val="2569911448"/>
       </p:ext>
     </p:extLst>
   </p:cSld>
@@ -731,7 +686,7 @@
 
 <file path=ppt/slideLayouts/slideLayout2.xml><?xml version="1.0" encoding="utf-8"?>
 <p:sldLayout xmlns:a="http://schemas.openxmlformats.org/drawingml/2006/main" xmlns:r="http://schemas.openxmlformats.org/officeDocument/2006/relationships" xmlns:p="http://schemas.openxmlformats.org/presentationml/2006/main" type="obj" preserve="1">
-  <p:cSld name="Title and Content">
+  <p:cSld name="标题和内容">
     <p:spTree>
       <p:nvGrpSpPr>
         <p:cNvPr id="1" name=""/>
@@ -748,7 +703,7 @@
       </p:grpSpPr>
       <p:sp>
         <p:nvSpPr>
-          <p:cNvPr id="2" name="Title 1"/>
+          <p:cNvPr id="2" name="标题 1"/>
           <p:cNvSpPr>
             <a:spLocks noGrp="1"/>
           </p:cNvSpPr>
@@ -762,16 +717,16 @@
           <a:lstStyle/>
           <a:p>
             <a:r>
-              <a:rPr lang="en-US" smtClean="0"/>
-              <a:t>Click to edit Master title style</a:t>
-            </a:r>
-            <a:endParaRPr lang="en-US"/>
-          </a:p>
-        </p:txBody>
-      </p:sp>
-      <p:sp>
-        <p:nvSpPr>
-          <p:cNvPr id="3" name="Content Placeholder 2"/>
+              <a:rPr lang="zh-CN" altLang="en-US" smtClean="0"/>
+              <a:t>单击此处编辑母版标题样式</a:t>
+            </a:r>
+            <a:endParaRPr lang="zh-CN" altLang="en-US"/>
+          </a:p>
+        </p:txBody>
+      </p:sp>
+      <p:sp>
+        <p:nvSpPr>
+          <p:cNvPr id="3" name="内容占位符 2"/>
           <p:cNvSpPr>
             <a:spLocks noGrp="1"/>
           </p:cNvSpPr>
@@ -782,74 +737,48 @@
         <p:spPr/>
         <p:txBody>
           <a:bodyPr/>
-          <a:lstStyle>
-            <a:lvl1pPr marL="285739" indent="-285739">
-              <a:buFont typeface="Arial" panose="020B0604020202020204" pitchFamily="34" charset="0"/>
-              <a:buChar char="•"/>
-              <a:defRPr/>
-            </a:lvl1pPr>
-            <a:lvl2pPr marL="619100" indent="-238115">
-              <a:buFont typeface="Arial" panose="020B0604020202020204" pitchFamily="34" charset="0"/>
-              <a:buChar char="•"/>
-              <a:defRPr/>
-            </a:lvl2pPr>
-            <a:lvl3pPr marL="952462" indent="-190492">
-              <a:buFont typeface="Arial" panose="020B0604020202020204" pitchFamily="34" charset="0"/>
-              <a:buChar char="•"/>
-              <a:defRPr/>
-            </a:lvl3pPr>
-            <a:lvl4pPr marL="1333447" indent="-190492">
-              <a:buFont typeface="Arial" panose="020B0604020202020204" pitchFamily="34" charset="0"/>
-              <a:buChar char="•"/>
-              <a:defRPr/>
-            </a:lvl4pPr>
-            <a:lvl5pPr marL="1714431" indent="-190492">
-              <a:buFont typeface="Arial" panose="020B0604020202020204" pitchFamily="34" charset="0"/>
-              <a:buChar char="•"/>
-              <a:defRPr/>
-            </a:lvl5pPr>
-          </a:lstStyle>
+          <a:lstStyle/>
           <a:p>
             <a:pPr lvl="0"/>
             <a:r>
-              <a:rPr lang="en-US" dirty="0" smtClean="0"/>
-              <a:t>Click to edit Master text styles</a:t>
+              <a:rPr lang="zh-CN" altLang="en-US" smtClean="0"/>
+              <a:t>单击此处编辑母版文本样式</a:t>
             </a:r>
           </a:p>
           <a:p>
             <a:pPr lvl="1"/>
             <a:r>
-              <a:rPr lang="en-US" dirty="0" smtClean="0"/>
-              <a:t>Second level</a:t>
+              <a:rPr lang="zh-CN" altLang="en-US" smtClean="0"/>
+              <a:t>第二级</a:t>
             </a:r>
           </a:p>
           <a:p>
             <a:pPr lvl="2"/>
             <a:r>
-              <a:rPr lang="en-US" dirty="0" smtClean="0"/>
-              <a:t>Third level</a:t>
+              <a:rPr lang="zh-CN" altLang="en-US" smtClean="0"/>
+              <a:t>第三级</a:t>
             </a:r>
           </a:p>
           <a:p>
             <a:pPr lvl="3"/>
             <a:r>
-              <a:rPr lang="en-US" dirty="0" smtClean="0"/>
-              <a:t>Fourth level</a:t>
+              <a:rPr lang="zh-CN" altLang="en-US" smtClean="0"/>
+              <a:t>第四级</a:t>
             </a:r>
           </a:p>
           <a:p>
             <a:pPr lvl="4"/>
             <a:r>
-              <a:rPr lang="en-US" dirty="0" smtClean="0"/>
-              <a:t>Fifth level</a:t>
-            </a:r>
-            <a:endParaRPr lang="en-US" dirty="0"/>
-          </a:p>
-        </p:txBody>
-      </p:sp>
-      <p:sp>
-        <p:nvSpPr>
-          <p:cNvPr id="4" name="Date Placeholder 3"/>
+              <a:rPr lang="zh-CN" altLang="en-US" smtClean="0"/>
+              <a:t>第五级</a:t>
+            </a:r>
+            <a:endParaRPr lang="zh-CN" altLang="en-US"/>
+          </a:p>
+        </p:txBody>
+      </p:sp>
+      <p:sp>
+        <p:nvSpPr>
+          <p:cNvPr id="4" name="日期占位符 3"/>
           <p:cNvSpPr>
             <a:spLocks noGrp="1"/>
           </p:cNvSpPr>
@@ -872,7 +801,7 @@
       </p:sp>
       <p:sp>
         <p:nvSpPr>
-          <p:cNvPr id="5" name="Footer Placeholder 4"/>
+          <p:cNvPr id="5" name="页脚占位符 4"/>
           <p:cNvSpPr>
             <a:spLocks noGrp="1"/>
           </p:cNvSpPr>
@@ -891,7 +820,7 @@
       </p:sp>
       <p:sp>
         <p:nvSpPr>
-          <p:cNvPr id="6" name="Slide Number Placeholder 5"/>
+          <p:cNvPr id="6" name="灯片编号占位符 5"/>
           <p:cNvSpPr>
             <a:spLocks noGrp="1"/>
           </p:cNvSpPr>
@@ -915,7 +844,7 @@
     </p:spTree>
     <p:extLst>
       <p:ext uri="{BB962C8B-B14F-4D97-AF65-F5344CB8AC3E}">
-        <p14:creationId xmlns:p14="http://schemas.microsoft.com/office/powerpoint/2010/main" val="338346009"/>
+        <p14:creationId xmlns:p14="http://schemas.microsoft.com/office/powerpoint/2010/main" val="1060711542"/>
       </p:ext>
     </p:extLst>
   </p:cSld>
@@ -927,7 +856,7 @@
 
 <file path=ppt/slideLayouts/slideLayout3.xml><?xml version="1.0" encoding="utf-8"?>
 <p:sldLayout xmlns:a="http://schemas.openxmlformats.org/drawingml/2006/main" xmlns:r="http://schemas.openxmlformats.org/officeDocument/2006/relationships" xmlns:p="http://schemas.openxmlformats.org/presentationml/2006/main" type="secHead" preserve="1">
-  <p:cSld name="Section Header">
+  <p:cSld name="节标题">
     <p:spTree>
       <p:nvGrpSpPr>
         <p:cNvPr id="1" name=""/>
@@ -944,7 +873,7 @@
       </p:grpSpPr>
       <p:sp>
         <p:nvSpPr>
-          <p:cNvPr id="2" name="Title 1"/>
+          <p:cNvPr id="2" name="标题 1"/>
           <p:cNvSpPr>
             <a:spLocks noGrp="1"/>
           </p:cNvSpPr>
@@ -954,31 +883,31 @@
         </p:nvSpPr>
         <p:spPr>
           <a:xfrm>
-            <a:off x="722313" y="2214032"/>
-            <a:ext cx="7772400" cy="1135063"/>
+            <a:off x="628650" y="670039"/>
+            <a:ext cx="7886700" cy="2377281"/>
           </a:xfrm>
         </p:spPr>
         <p:txBody>
-          <a:bodyPr anchor="t">
+          <a:bodyPr anchor="b">
             <a:normAutofit/>
           </a:bodyPr>
           <a:lstStyle>
             <a:lvl1pPr algn="ctr">
-              <a:defRPr sz="2800" b="1" cap="all"/>
+              <a:defRPr sz="2800"/>
             </a:lvl1pPr>
           </a:lstStyle>
           <a:p>
             <a:r>
-              <a:rPr lang="en-US" dirty="0" smtClean="0"/>
-              <a:t>Click to edit Master title style</a:t>
-            </a:r>
-            <a:endParaRPr lang="en-US" dirty="0"/>
-          </a:p>
-        </p:txBody>
-      </p:sp>
-      <p:sp>
-        <p:nvSpPr>
-          <p:cNvPr id="3" name="Text Placeholder 2"/>
+              <a:rPr lang="zh-CN" altLang="en-US" dirty="0" smtClean="0"/>
+              <a:t>单击此处编辑母版标题样式</a:t>
+            </a:r>
+            <a:endParaRPr lang="zh-CN" altLang="en-US" dirty="0"/>
+          </a:p>
+        </p:txBody>
+      </p:sp>
+      <p:sp>
+        <p:nvSpPr>
+          <p:cNvPr id="3" name="文本占位符 2"/>
           <p:cNvSpPr>
             <a:spLocks noGrp="1"/>
           </p:cNvSpPr>
@@ -988,16 +917,16 @@
         </p:nvSpPr>
         <p:spPr>
           <a:xfrm>
-            <a:off x="722313" y="941803"/>
-            <a:ext cx="7772400" cy="1250156"/>
+            <a:off x="628650" y="3054616"/>
+            <a:ext cx="7886700" cy="1250156"/>
           </a:xfrm>
         </p:spPr>
         <p:txBody>
-          <a:bodyPr anchor="b"/>
+          <a:bodyPr/>
           <a:lstStyle>
             <a:lvl1pPr marL="0" indent="0">
               <a:buNone/>
-              <a:defRPr sz="1667">
+              <a:defRPr sz="1800">
                 <a:solidFill>
                   <a:schemeClr val="tx1">
                     <a:tint val="75000"/>
@@ -1005,7 +934,7 @@
                 </a:solidFill>
               </a:defRPr>
             </a:lvl1pPr>
-            <a:lvl2pPr marL="380985" indent="0">
+            <a:lvl2pPr marL="342900" indent="0">
               <a:buNone/>
               <a:defRPr sz="1500">
                 <a:solidFill>
@@ -1015,9 +944,9 @@
                 </a:solidFill>
               </a:defRPr>
             </a:lvl2pPr>
-            <a:lvl3pPr marL="761970" indent="0">
-              <a:buNone/>
-              <a:defRPr sz="1333">
+            <a:lvl3pPr marL="685800" indent="0">
+              <a:buNone/>
+              <a:defRPr sz="1350">
                 <a:solidFill>
                   <a:schemeClr val="tx1">
                     <a:tint val="75000"/>
@@ -1025,9 +954,9 @@
                 </a:solidFill>
               </a:defRPr>
             </a:lvl3pPr>
-            <a:lvl4pPr marL="1142954" indent="0">
-              <a:buNone/>
-              <a:defRPr sz="1167">
+            <a:lvl4pPr marL="1028700" indent="0">
+              <a:buNone/>
+              <a:defRPr sz="1200">
                 <a:solidFill>
                   <a:schemeClr val="tx1">
                     <a:tint val="75000"/>
@@ -1035,9 +964,9 @@
                 </a:solidFill>
               </a:defRPr>
             </a:lvl4pPr>
-            <a:lvl5pPr marL="1523939" indent="0">
-              <a:buNone/>
-              <a:defRPr sz="1167">
+            <a:lvl5pPr marL="1371600" indent="0">
+              <a:buNone/>
+              <a:defRPr sz="1200">
                 <a:solidFill>
                   <a:schemeClr val="tx1">
                     <a:tint val="75000"/>
@@ -1045,9 +974,9 @@
                 </a:solidFill>
               </a:defRPr>
             </a:lvl5pPr>
-            <a:lvl6pPr marL="1904924" indent="0">
-              <a:buNone/>
-              <a:defRPr sz="1167">
+            <a:lvl6pPr marL="1714500" indent="0">
+              <a:buNone/>
+              <a:defRPr sz="1200">
                 <a:solidFill>
                   <a:schemeClr val="tx1">
                     <a:tint val="75000"/>
@@ -1055,9 +984,9 @@
                 </a:solidFill>
               </a:defRPr>
             </a:lvl6pPr>
-            <a:lvl7pPr marL="2285909" indent="0">
-              <a:buNone/>
-              <a:defRPr sz="1167">
+            <a:lvl7pPr marL="2057400" indent="0">
+              <a:buNone/>
+              <a:defRPr sz="1200">
                 <a:solidFill>
                   <a:schemeClr val="tx1">
                     <a:tint val="75000"/>
@@ -1065,9 +994,9 @@
                 </a:solidFill>
               </a:defRPr>
             </a:lvl7pPr>
-            <a:lvl8pPr marL="2666893" indent="0">
-              <a:buNone/>
-              <a:defRPr sz="1167">
+            <a:lvl8pPr marL="2400300" indent="0">
+              <a:buNone/>
+              <a:defRPr sz="1200">
                 <a:solidFill>
                   <a:schemeClr val="tx1">
                     <a:tint val="75000"/>
@@ -1075,9 +1004,9 @@
                 </a:solidFill>
               </a:defRPr>
             </a:lvl8pPr>
-            <a:lvl9pPr marL="3047878" indent="0">
-              <a:buNone/>
-              <a:defRPr sz="1167">
+            <a:lvl9pPr marL="2743200" indent="0">
+              <a:buNone/>
+              <a:defRPr sz="1200">
                 <a:solidFill>
                   <a:schemeClr val="tx1">
                     <a:tint val="75000"/>
@@ -1089,15 +1018,15 @@
           <a:p>
             <a:pPr lvl="0"/>
             <a:r>
-              <a:rPr lang="en-US" smtClean="0"/>
-              <a:t>Click to edit Master text styles</a:t>
-            </a:r>
-          </a:p>
-        </p:txBody>
-      </p:sp>
-      <p:sp>
-        <p:nvSpPr>
-          <p:cNvPr id="4" name="Date Placeholder 3"/>
+              <a:rPr lang="zh-CN" altLang="en-US" smtClean="0"/>
+              <a:t>单击此处编辑母版文本样式</a:t>
+            </a:r>
+          </a:p>
+        </p:txBody>
+      </p:sp>
+      <p:sp>
+        <p:nvSpPr>
+          <p:cNvPr id="4" name="日期占位符 3"/>
           <p:cNvSpPr>
             <a:spLocks noGrp="1"/>
           </p:cNvSpPr>
@@ -1120,7 +1049,7 @@
       </p:sp>
       <p:sp>
         <p:nvSpPr>
-          <p:cNvPr id="5" name="Footer Placeholder 4"/>
+          <p:cNvPr id="5" name="页脚占位符 4"/>
           <p:cNvSpPr>
             <a:spLocks noGrp="1"/>
           </p:cNvSpPr>
@@ -1139,7 +1068,7 @@
       </p:sp>
       <p:sp>
         <p:nvSpPr>
-          <p:cNvPr id="6" name="Slide Number Placeholder 5"/>
+          <p:cNvPr id="6" name="灯片编号占位符 5"/>
           <p:cNvSpPr>
             <a:spLocks noGrp="1"/>
           </p:cNvSpPr>
@@ -1163,7 +1092,7 @@
     </p:spTree>
     <p:extLst>
       <p:ext uri="{BB962C8B-B14F-4D97-AF65-F5344CB8AC3E}">
-        <p14:creationId xmlns:p14="http://schemas.microsoft.com/office/powerpoint/2010/main" val="1073069076"/>
+        <p14:creationId xmlns:p14="http://schemas.microsoft.com/office/powerpoint/2010/main" val="1236611938"/>
       </p:ext>
     </p:extLst>
   </p:cSld>
@@ -1175,7 +1104,7 @@
 
 <file path=ppt/slideLayouts/slideLayout4.xml><?xml version="1.0" encoding="utf-8"?>
 <p:sldLayout xmlns:a="http://schemas.openxmlformats.org/drawingml/2006/main" xmlns:r="http://schemas.openxmlformats.org/officeDocument/2006/relationships" xmlns:p="http://schemas.openxmlformats.org/presentationml/2006/main" type="twoObj" preserve="1">
-  <p:cSld name="Two Content">
+  <p:cSld name="两栏内容">
     <p:spTree>
       <p:nvGrpSpPr>
         <p:cNvPr id="1" name=""/>
@@ -1192,7 +1121,7 @@
       </p:grpSpPr>
       <p:sp>
         <p:nvSpPr>
-          <p:cNvPr id="2" name="Title 1"/>
+          <p:cNvPr id="2" name="标题 1"/>
           <p:cNvSpPr>
             <a:spLocks noGrp="1"/>
           </p:cNvSpPr>
@@ -1206,16 +1135,16 @@
           <a:lstStyle/>
           <a:p>
             <a:r>
-              <a:rPr lang="en-US" smtClean="0"/>
-              <a:t>Click to edit Master title style</a:t>
-            </a:r>
-            <a:endParaRPr lang="en-US"/>
-          </a:p>
-        </p:txBody>
-      </p:sp>
-      <p:sp>
-        <p:nvSpPr>
-          <p:cNvPr id="3" name="Content Placeholder 2"/>
+              <a:rPr lang="zh-CN" altLang="en-US" smtClean="0"/>
+              <a:t>单击此处编辑母版标题样式</a:t>
+            </a:r>
+            <a:endParaRPr lang="zh-CN" altLang="en-US"/>
+          </a:p>
+        </p:txBody>
+      </p:sp>
+      <p:sp>
+        <p:nvSpPr>
+          <p:cNvPr id="3" name="内容占位符 2"/>
           <p:cNvSpPr>
             <a:spLocks noGrp="1"/>
           </p:cNvSpPr>
@@ -1225,36 +1154,847 @@
         </p:nvSpPr>
         <p:spPr>
           <a:xfrm>
-            <a:off x="457200" y="1333500"/>
-            <a:ext cx="4038600" cy="3771636"/>
+            <a:off x="628650" y="1521354"/>
+            <a:ext cx="3886200" cy="3626115"/>
           </a:xfrm>
         </p:spPr>
         <p:txBody>
           <a:bodyPr/>
+          <a:lstStyle/>
+          <a:p>
+            <a:pPr lvl="0"/>
+            <a:r>
+              <a:rPr lang="zh-CN" altLang="en-US" smtClean="0"/>
+              <a:t>单击此处编辑母版文本样式</a:t>
+            </a:r>
+          </a:p>
+          <a:p>
+            <a:pPr lvl="1"/>
+            <a:r>
+              <a:rPr lang="zh-CN" altLang="en-US" smtClean="0"/>
+              <a:t>第二级</a:t>
+            </a:r>
+          </a:p>
+          <a:p>
+            <a:pPr lvl="2"/>
+            <a:r>
+              <a:rPr lang="zh-CN" altLang="en-US" smtClean="0"/>
+              <a:t>第三级</a:t>
+            </a:r>
+          </a:p>
+          <a:p>
+            <a:pPr lvl="3"/>
+            <a:r>
+              <a:rPr lang="zh-CN" altLang="en-US" smtClean="0"/>
+              <a:t>第四级</a:t>
+            </a:r>
+          </a:p>
+          <a:p>
+            <a:pPr lvl="4"/>
+            <a:r>
+              <a:rPr lang="zh-CN" altLang="en-US" smtClean="0"/>
+              <a:t>第五级</a:t>
+            </a:r>
+            <a:endParaRPr lang="zh-CN" altLang="en-US"/>
+          </a:p>
+        </p:txBody>
+      </p:sp>
+      <p:sp>
+        <p:nvSpPr>
+          <p:cNvPr id="4" name="内容占位符 3"/>
+          <p:cNvSpPr>
+            <a:spLocks noGrp="1"/>
+          </p:cNvSpPr>
+          <p:nvPr>
+            <p:ph sz="half" idx="2"/>
+          </p:nvPr>
+        </p:nvSpPr>
+        <p:spPr>
+          <a:xfrm>
+            <a:off x="4629150" y="1521354"/>
+            <a:ext cx="3886200" cy="3626115"/>
+          </a:xfrm>
+        </p:spPr>
+        <p:txBody>
+          <a:bodyPr/>
+          <a:lstStyle/>
+          <a:p>
+            <a:pPr lvl="0"/>
+            <a:r>
+              <a:rPr lang="zh-CN" altLang="en-US" smtClean="0"/>
+              <a:t>单击此处编辑母版文本样式</a:t>
+            </a:r>
+          </a:p>
+          <a:p>
+            <a:pPr lvl="1"/>
+            <a:r>
+              <a:rPr lang="zh-CN" altLang="en-US" smtClean="0"/>
+              <a:t>第二级</a:t>
+            </a:r>
+          </a:p>
+          <a:p>
+            <a:pPr lvl="2"/>
+            <a:r>
+              <a:rPr lang="zh-CN" altLang="en-US" smtClean="0"/>
+              <a:t>第三级</a:t>
+            </a:r>
+          </a:p>
+          <a:p>
+            <a:pPr lvl="3"/>
+            <a:r>
+              <a:rPr lang="zh-CN" altLang="en-US" smtClean="0"/>
+              <a:t>第四级</a:t>
+            </a:r>
+          </a:p>
+          <a:p>
+            <a:pPr lvl="4"/>
+            <a:r>
+              <a:rPr lang="zh-CN" altLang="en-US" smtClean="0"/>
+              <a:t>第五级</a:t>
+            </a:r>
+            <a:endParaRPr lang="zh-CN" altLang="en-US"/>
+          </a:p>
+        </p:txBody>
+      </p:sp>
+      <p:sp>
+        <p:nvSpPr>
+          <p:cNvPr id="5" name="日期占位符 4"/>
+          <p:cNvSpPr>
+            <a:spLocks noGrp="1"/>
+          </p:cNvSpPr>
+          <p:nvPr>
+            <p:ph type="dt" sz="half" idx="10"/>
+          </p:nvPr>
+        </p:nvSpPr>
+        <p:spPr/>
+        <p:txBody>
+          <a:bodyPr/>
+          <a:lstStyle/>
+          <a:p>
+            <a:fld id="{241EB5C9-1307-BA42-ABA2-0BC069CD8E7F}" type="datetimeFigureOut">
+              <a:rPr lang="en-US" smtClean="0"/>
+              <a:t>7/5/2020</a:t>
+            </a:fld>
+            <a:endParaRPr lang="en-US"/>
+          </a:p>
+        </p:txBody>
+      </p:sp>
+      <p:sp>
+        <p:nvSpPr>
+          <p:cNvPr id="6" name="页脚占位符 5"/>
+          <p:cNvSpPr>
+            <a:spLocks noGrp="1"/>
+          </p:cNvSpPr>
+          <p:nvPr>
+            <p:ph type="ftr" sz="quarter" idx="11"/>
+          </p:nvPr>
+        </p:nvSpPr>
+        <p:spPr/>
+        <p:txBody>
+          <a:bodyPr/>
+          <a:lstStyle/>
+          <a:p>
+            <a:endParaRPr lang="en-US"/>
+          </a:p>
+        </p:txBody>
+      </p:sp>
+      <p:sp>
+        <p:nvSpPr>
+          <p:cNvPr id="7" name="灯片编号占位符 6"/>
+          <p:cNvSpPr>
+            <a:spLocks noGrp="1"/>
+          </p:cNvSpPr>
+          <p:nvPr>
+            <p:ph type="sldNum" sz="quarter" idx="12"/>
+          </p:nvPr>
+        </p:nvSpPr>
+        <p:spPr/>
+        <p:txBody>
+          <a:bodyPr/>
+          <a:lstStyle/>
+          <a:p>
+            <a:fld id="{C5EF2332-01BF-834F-8236-50238282D533}" type="slidenum">
+              <a:rPr lang="en-US" smtClean="0"/>
+              <a:t>‹#›</a:t>
+            </a:fld>
+            <a:endParaRPr lang="en-US"/>
+          </a:p>
+        </p:txBody>
+      </p:sp>
+    </p:spTree>
+    <p:extLst>
+      <p:ext uri="{BB962C8B-B14F-4D97-AF65-F5344CB8AC3E}">
+        <p14:creationId xmlns:p14="http://schemas.microsoft.com/office/powerpoint/2010/main" val="2767406297"/>
+      </p:ext>
+    </p:extLst>
+  </p:cSld>
+  <p:clrMapOvr>
+    <a:masterClrMapping/>
+  </p:clrMapOvr>
+</p:sldLayout>
+</file>
+
+<file path=ppt/slideLayouts/slideLayout5.xml><?xml version="1.0" encoding="utf-8"?>
+<p:sldLayout xmlns:a="http://schemas.openxmlformats.org/drawingml/2006/main" xmlns:r="http://schemas.openxmlformats.org/officeDocument/2006/relationships" xmlns:p="http://schemas.openxmlformats.org/presentationml/2006/main" type="twoTxTwoObj" preserve="1">
+  <p:cSld name="比较">
+    <p:spTree>
+      <p:nvGrpSpPr>
+        <p:cNvPr id="1" name=""/>
+        <p:cNvGrpSpPr/>
+        <p:nvPr/>
+      </p:nvGrpSpPr>
+      <p:grpSpPr>
+        <a:xfrm>
+          <a:off x="0" y="0"/>
+          <a:ext cx="0" cy="0"/>
+          <a:chOff x="0" y="0"/>
+          <a:chExt cx="0" cy="0"/>
+        </a:xfrm>
+      </p:grpSpPr>
+      <p:sp>
+        <p:nvSpPr>
+          <p:cNvPr id="2" name="标题 1"/>
+          <p:cNvSpPr>
+            <a:spLocks noGrp="1"/>
+          </p:cNvSpPr>
+          <p:nvPr>
+            <p:ph type="title"/>
+          </p:nvPr>
+        </p:nvSpPr>
+        <p:spPr>
+          <a:xfrm>
+            <a:off x="629841" y="304271"/>
+            <a:ext cx="7886700" cy="1104636"/>
+          </a:xfrm>
+        </p:spPr>
+        <p:txBody>
+          <a:bodyPr/>
+          <a:lstStyle/>
+          <a:p>
+            <a:r>
+              <a:rPr lang="zh-CN" altLang="en-US" smtClean="0"/>
+              <a:t>单击此处编辑母版标题样式</a:t>
+            </a:r>
+            <a:endParaRPr lang="zh-CN" altLang="en-US"/>
+          </a:p>
+        </p:txBody>
+      </p:sp>
+      <p:sp>
+        <p:nvSpPr>
+          <p:cNvPr id="3" name="文本占位符 2"/>
+          <p:cNvSpPr>
+            <a:spLocks noGrp="1"/>
+          </p:cNvSpPr>
+          <p:nvPr>
+            <p:ph type="body" idx="1"/>
+          </p:nvPr>
+        </p:nvSpPr>
+        <p:spPr>
+          <a:xfrm>
+            <a:off x="629842" y="1400969"/>
+            <a:ext cx="3868340" cy="686593"/>
+          </a:xfrm>
+        </p:spPr>
+        <p:txBody>
+          <a:bodyPr anchor="b"/>
           <a:lstStyle>
-            <a:lvl1pPr marL="285739" indent="-285739">
-              <a:buFont typeface="Arial" panose="020B0604020202020204" pitchFamily="34" charset="0"/>
-              <a:buChar char="•"/>
-              <a:defRPr sz="2333"/>
+            <a:lvl1pPr marL="0" indent="0">
+              <a:buNone/>
+              <a:defRPr sz="1800" b="1"/>
             </a:lvl1pPr>
-            <a:lvl2pPr marL="619100" indent="-238115">
-              <a:buFont typeface="Arial" panose="020B0604020202020204" pitchFamily="34" charset="0"/>
-              <a:buChar char="•"/>
-              <a:defRPr sz="2000"/>
+            <a:lvl2pPr marL="342900" indent="0">
+              <a:buNone/>
+              <a:defRPr sz="1500" b="1"/>
             </a:lvl2pPr>
-            <a:lvl3pPr marL="952462" indent="-190492">
-              <a:buFont typeface="Arial" panose="020B0604020202020204" pitchFamily="34" charset="0"/>
-              <a:buChar char="•"/>
-              <a:defRPr sz="1667"/>
+            <a:lvl3pPr marL="685800" indent="0">
+              <a:buNone/>
+              <a:defRPr sz="1350" b="1"/>
             </a:lvl3pPr>
-            <a:lvl4pPr marL="1333447" indent="-190492">
-              <a:buFont typeface="Arial" panose="020B0604020202020204" pitchFamily="34" charset="0"/>
-              <a:buChar char="•"/>
+            <a:lvl4pPr marL="1028700" indent="0">
+              <a:buNone/>
+              <a:defRPr sz="1200" b="1"/>
+            </a:lvl4pPr>
+            <a:lvl5pPr marL="1371600" indent="0">
+              <a:buNone/>
+              <a:defRPr sz="1200" b="1"/>
+            </a:lvl5pPr>
+            <a:lvl6pPr marL="1714500" indent="0">
+              <a:buNone/>
+              <a:defRPr sz="1200" b="1"/>
+            </a:lvl6pPr>
+            <a:lvl7pPr marL="2057400" indent="0">
+              <a:buNone/>
+              <a:defRPr sz="1200" b="1"/>
+            </a:lvl7pPr>
+            <a:lvl8pPr marL="2400300" indent="0">
+              <a:buNone/>
+              <a:defRPr sz="1200" b="1"/>
+            </a:lvl8pPr>
+            <a:lvl9pPr marL="2743200" indent="0">
+              <a:buNone/>
+              <a:defRPr sz="1200" b="1"/>
+            </a:lvl9pPr>
+          </a:lstStyle>
+          <a:p>
+            <a:pPr lvl="0"/>
+            <a:r>
+              <a:rPr lang="zh-CN" altLang="en-US" smtClean="0"/>
+              <a:t>单击此处编辑母版文本样式</a:t>
+            </a:r>
+          </a:p>
+        </p:txBody>
+      </p:sp>
+      <p:sp>
+        <p:nvSpPr>
+          <p:cNvPr id="4" name="内容占位符 3"/>
+          <p:cNvSpPr>
+            <a:spLocks noGrp="1"/>
+          </p:cNvSpPr>
+          <p:nvPr>
+            <p:ph sz="half" idx="2"/>
+          </p:nvPr>
+        </p:nvSpPr>
+        <p:spPr>
+          <a:xfrm>
+            <a:off x="629842" y="2087563"/>
+            <a:ext cx="3868340" cy="3070490"/>
+          </a:xfrm>
+        </p:spPr>
+        <p:txBody>
+          <a:bodyPr/>
+          <a:lstStyle/>
+          <a:p>
+            <a:pPr lvl="0"/>
+            <a:r>
+              <a:rPr lang="zh-CN" altLang="en-US" smtClean="0"/>
+              <a:t>单击此处编辑母版文本样式</a:t>
+            </a:r>
+          </a:p>
+          <a:p>
+            <a:pPr lvl="1"/>
+            <a:r>
+              <a:rPr lang="zh-CN" altLang="en-US" smtClean="0"/>
+              <a:t>第二级</a:t>
+            </a:r>
+          </a:p>
+          <a:p>
+            <a:pPr lvl="2"/>
+            <a:r>
+              <a:rPr lang="zh-CN" altLang="en-US" smtClean="0"/>
+              <a:t>第三级</a:t>
+            </a:r>
+          </a:p>
+          <a:p>
+            <a:pPr lvl="3"/>
+            <a:r>
+              <a:rPr lang="zh-CN" altLang="en-US" smtClean="0"/>
+              <a:t>第四级</a:t>
+            </a:r>
+          </a:p>
+          <a:p>
+            <a:pPr lvl="4"/>
+            <a:r>
+              <a:rPr lang="zh-CN" altLang="en-US" smtClean="0"/>
+              <a:t>第五级</a:t>
+            </a:r>
+            <a:endParaRPr lang="zh-CN" altLang="en-US"/>
+          </a:p>
+        </p:txBody>
+      </p:sp>
+      <p:sp>
+        <p:nvSpPr>
+          <p:cNvPr id="5" name="文本占位符 4"/>
+          <p:cNvSpPr>
+            <a:spLocks noGrp="1"/>
+          </p:cNvSpPr>
+          <p:nvPr>
+            <p:ph type="body" sz="quarter" idx="3"/>
+          </p:nvPr>
+        </p:nvSpPr>
+        <p:spPr>
+          <a:xfrm>
+            <a:off x="4629150" y="1400969"/>
+            <a:ext cx="3887391" cy="686593"/>
+          </a:xfrm>
+        </p:spPr>
+        <p:txBody>
+          <a:bodyPr anchor="b"/>
+          <a:lstStyle>
+            <a:lvl1pPr marL="0" indent="0">
+              <a:buNone/>
+              <a:defRPr sz="1800" b="1"/>
+            </a:lvl1pPr>
+            <a:lvl2pPr marL="342900" indent="0">
+              <a:buNone/>
+              <a:defRPr sz="1500" b="1"/>
+            </a:lvl2pPr>
+            <a:lvl3pPr marL="685800" indent="0">
+              <a:buNone/>
+              <a:defRPr sz="1350" b="1"/>
+            </a:lvl3pPr>
+            <a:lvl4pPr marL="1028700" indent="0">
+              <a:buNone/>
+              <a:defRPr sz="1200" b="1"/>
+            </a:lvl4pPr>
+            <a:lvl5pPr marL="1371600" indent="0">
+              <a:buNone/>
+              <a:defRPr sz="1200" b="1"/>
+            </a:lvl5pPr>
+            <a:lvl6pPr marL="1714500" indent="0">
+              <a:buNone/>
+              <a:defRPr sz="1200" b="1"/>
+            </a:lvl6pPr>
+            <a:lvl7pPr marL="2057400" indent="0">
+              <a:buNone/>
+              <a:defRPr sz="1200" b="1"/>
+            </a:lvl7pPr>
+            <a:lvl8pPr marL="2400300" indent="0">
+              <a:buNone/>
+              <a:defRPr sz="1200" b="1"/>
+            </a:lvl8pPr>
+            <a:lvl9pPr marL="2743200" indent="0">
+              <a:buNone/>
+              <a:defRPr sz="1200" b="1"/>
+            </a:lvl9pPr>
+          </a:lstStyle>
+          <a:p>
+            <a:pPr lvl="0"/>
+            <a:r>
+              <a:rPr lang="zh-CN" altLang="en-US" smtClean="0"/>
+              <a:t>单击此处编辑母版文本样式</a:t>
+            </a:r>
+          </a:p>
+        </p:txBody>
+      </p:sp>
+      <p:sp>
+        <p:nvSpPr>
+          <p:cNvPr id="6" name="内容占位符 5"/>
+          <p:cNvSpPr>
+            <a:spLocks noGrp="1"/>
+          </p:cNvSpPr>
+          <p:nvPr>
+            <p:ph sz="quarter" idx="4"/>
+          </p:nvPr>
+        </p:nvSpPr>
+        <p:spPr>
+          <a:xfrm>
+            <a:off x="4629150" y="2087563"/>
+            <a:ext cx="3887391" cy="3070490"/>
+          </a:xfrm>
+        </p:spPr>
+        <p:txBody>
+          <a:bodyPr/>
+          <a:lstStyle/>
+          <a:p>
+            <a:pPr lvl="0"/>
+            <a:r>
+              <a:rPr lang="zh-CN" altLang="en-US" smtClean="0"/>
+              <a:t>单击此处编辑母版文本样式</a:t>
+            </a:r>
+          </a:p>
+          <a:p>
+            <a:pPr lvl="1"/>
+            <a:r>
+              <a:rPr lang="zh-CN" altLang="en-US" smtClean="0"/>
+              <a:t>第二级</a:t>
+            </a:r>
+          </a:p>
+          <a:p>
+            <a:pPr lvl="2"/>
+            <a:r>
+              <a:rPr lang="zh-CN" altLang="en-US" smtClean="0"/>
+              <a:t>第三级</a:t>
+            </a:r>
+          </a:p>
+          <a:p>
+            <a:pPr lvl="3"/>
+            <a:r>
+              <a:rPr lang="zh-CN" altLang="en-US" smtClean="0"/>
+              <a:t>第四级</a:t>
+            </a:r>
+          </a:p>
+          <a:p>
+            <a:pPr lvl="4"/>
+            <a:r>
+              <a:rPr lang="zh-CN" altLang="en-US" smtClean="0"/>
+              <a:t>第五级</a:t>
+            </a:r>
+            <a:endParaRPr lang="zh-CN" altLang="en-US"/>
+          </a:p>
+        </p:txBody>
+      </p:sp>
+      <p:sp>
+        <p:nvSpPr>
+          <p:cNvPr id="7" name="日期占位符 6"/>
+          <p:cNvSpPr>
+            <a:spLocks noGrp="1"/>
+          </p:cNvSpPr>
+          <p:nvPr>
+            <p:ph type="dt" sz="half" idx="10"/>
+          </p:nvPr>
+        </p:nvSpPr>
+        <p:spPr/>
+        <p:txBody>
+          <a:bodyPr/>
+          <a:lstStyle/>
+          <a:p>
+            <a:fld id="{241EB5C9-1307-BA42-ABA2-0BC069CD8E7F}" type="datetimeFigureOut">
+              <a:rPr lang="en-US" smtClean="0"/>
+              <a:t>7/5/2020</a:t>
+            </a:fld>
+            <a:endParaRPr lang="en-US"/>
+          </a:p>
+        </p:txBody>
+      </p:sp>
+      <p:sp>
+        <p:nvSpPr>
+          <p:cNvPr id="8" name="页脚占位符 7"/>
+          <p:cNvSpPr>
+            <a:spLocks noGrp="1"/>
+          </p:cNvSpPr>
+          <p:nvPr>
+            <p:ph type="ftr" sz="quarter" idx="11"/>
+          </p:nvPr>
+        </p:nvSpPr>
+        <p:spPr/>
+        <p:txBody>
+          <a:bodyPr/>
+          <a:lstStyle/>
+          <a:p>
+            <a:endParaRPr lang="en-US"/>
+          </a:p>
+        </p:txBody>
+      </p:sp>
+      <p:sp>
+        <p:nvSpPr>
+          <p:cNvPr id="9" name="灯片编号占位符 8"/>
+          <p:cNvSpPr>
+            <a:spLocks noGrp="1"/>
+          </p:cNvSpPr>
+          <p:nvPr>
+            <p:ph type="sldNum" sz="quarter" idx="12"/>
+          </p:nvPr>
+        </p:nvSpPr>
+        <p:spPr/>
+        <p:txBody>
+          <a:bodyPr/>
+          <a:lstStyle/>
+          <a:p>
+            <a:fld id="{C5EF2332-01BF-834F-8236-50238282D533}" type="slidenum">
+              <a:rPr lang="en-US" smtClean="0"/>
+              <a:t>‹#›</a:t>
+            </a:fld>
+            <a:endParaRPr lang="en-US"/>
+          </a:p>
+        </p:txBody>
+      </p:sp>
+    </p:spTree>
+    <p:extLst>
+      <p:ext uri="{BB962C8B-B14F-4D97-AF65-F5344CB8AC3E}">
+        <p14:creationId xmlns:p14="http://schemas.microsoft.com/office/powerpoint/2010/main" val="618690570"/>
+      </p:ext>
+    </p:extLst>
+  </p:cSld>
+  <p:clrMapOvr>
+    <a:masterClrMapping/>
+  </p:clrMapOvr>
+</p:sldLayout>
+</file>
+
+<file path=ppt/slideLayouts/slideLayout6.xml><?xml version="1.0" encoding="utf-8"?>
+<p:sldLayout xmlns:a="http://schemas.openxmlformats.org/drawingml/2006/main" xmlns:r="http://schemas.openxmlformats.org/officeDocument/2006/relationships" xmlns:p="http://schemas.openxmlformats.org/presentationml/2006/main" type="titleOnly" preserve="1">
+  <p:cSld name="仅标题">
+    <p:spTree>
+      <p:nvGrpSpPr>
+        <p:cNvPr id="1" name=""/>
+        <p:cNvGrpSpPr/>
+        <p:nvPr/>
+      </p:nvGrpSpPr>
+      <p:grpSpPr>
+        <a:xfrm>
+          <a:off x="0" y="0"/>
+          <a:ext cx="0" cy="0"/>
+          <a:chOff x="0" y="0"/>
+          <a:chExt cx="0" cy="0"/>
+        </a:xfrm>
+      </p:grpSpPr>
+      <p:sp>
+        <p:nvSpPr>
+          <p:cNvPr id="2" name="标题 1"/>
+          <p:cNvSpPr>
+            <a:spLocks noGrp="1"/>
+          </p:cNvSpPr>
+          <p:nvPr>
+            <p:ph type="title"/>
+          </p:nvPr>
+        </p:nvSpPr>
+        <p:spPr/>
+        <p:txBody>
+          <a:bodyPr/>
+          <a:lstStyle/>
+          <a:p>
+            <a:r>
+              <a:rPr lang="zh-CN" altLang="en-US" smtClean="0"/>
+              <a:t>单击此处编辑母版标题样式</a:t>
+            </a:r>
+            <a:endParaRPr lang="zh-CN" altLang="en-US"/>
+          </a:p>
+        </p:txBody>
+      </p:sp>
+      <p:sp>
+        <p:nvSpPr>
+          <p:cNvPr id="3" name="日期占位符 2"/>
+          <p:cNvSpPr>
+            <a:spLocks noGrp="1"/>
+          </p:cNvSpPr>
+          <p:nvPr>
+            <p:ph type="dt" sz="half" idx="10"/>
+          </p:nvPr>
+        </p:nvSpPr>
+        <p:spPr/>
+        <p:txBody>
+          <a:bodyPr/>
+          <a:lstStyle/>
+          <a:p>
+            <a:fld id="{241EB5C9-1307-BA42-ABA2-0BC069CD8E7F}" type="datetimeFigureOut">
+              <a:rPr lang="en-US" smtClean="0"/>
+              <a:t>7/5/2020</a:t>
+            </a:fld>
+            <a:endParaRPr lang="en-US"/>
+          </a:p>
+        </p:txBody>
+      </p:sp>
+      <p:sp>
+        <p:nvSpPr>
+          <p:cNvPr id="4" name="页脚占位符 3"/>
+          <p:cNvSpPr>
+            <a:spLocks noGrp="1"/>
+          </p:cNvSpPr>
+          <p:nvPr>
+            <p:ph type="ftr" sz="quarter" idx="11"/>
+          </p:nvPr>
+        </p:nvSpPr>
+        <p:spPr/>
+        <p:txBody>
+          <a:bodyPr/>
+          <a:lstStyle/>
+          <a:p>
+            <a:endParaRPr lang="en-US"/>
+          </a:p>
+        </p:txBody>
+      </p:sp>
+      <p:sp>
+        <p:nvSpPr>
+          <p:cNvPr id="5" name="灯片编号占位符 4"/>
+          <p:cNvSpPr>
+            <a:spLocks noGrp="1"/>
+          </p:cNvSpPr>
+          <p:nvPr>
+            <p:ph type="sldNum" sz="quarter" idx="12"/>
+          </p:nvPr>
+        </p:nvSpPr>
+        <p:spPr/>
+        <p:txBody>
+          <a:bodyPr/>
+          <a:lstStyle/>
+          <a:p>
+            <a:fld id="{C5EF2332-01BF-834F-8236-50238282D533}" type="slidenum">
+              <a:rPr lang="en-US" smtClean="0"/>
+              <a:t>‹#›</a:t>
+            </a:fld>
+            <a:endParaRPr lang="en-US"/>
+          </a:p>
+        </p:txBody>
+      </p:sp>
+    </p:spTree>
+    <p:extLst>
+      <p:ext uri="{BB962C8B-B14F-4D97-AF65-F5344CB8AC3E}">
+        <p14:creationId xmlns:p14="http://schemas.microsoft.com/office/powerpoint/2010/main" val="2954676421"/>
+      </p:ext>
+    </p:extLst>
+  </p:cSld>
+  <p:clrMapOvr>
+    <a:masterClrMapping/>
+  </p:clrMapOvr>
+</p:sldLayout>
+</file>
+
+<file path=ppt/slideLayouts/slideLayout7.xml><?xml version="1.0" encoding="utf-8"?>
+<p:sldLayout xmlns:a="http://schemas.openxmlformats.org/drawingml/2006/main" xmlns:r="http://schemas.openxmlformats.org/officeDocument/2006/relationships" xmlns:p="http://schemas.openxmlformats.org/presentationml/2006/main" type="blank" preserve="1">
+  <p:cSld name="空白">
+    <p:spTree>
+      <p:nvGrpSpPr>
+        <p:cNvPr id="1" name=""/>
+        <p:cNvGrpSpPr/>
+        <p:nvPr/>
+      </p:nvGrpSpPr>
+      <p:grpSpPr>
+        <a:xfrm>
+          <a:off x="0" y="0"/>
+          <a:ext cx="0" cy="0"/>
+          <a:chOff x="0" y="0"/>
+          <a:chExt cx="0" cy="0"/>
+        </a:xfrm>
+      </p:grpSpPr>
+      <p:sp>
+        <p:nvSpPr>
+          <p:cNvPr id="2" name="日期占位符 1"/>
+          <p:cNvSpPr>
+            <a:spLocks noGrp="1"/>
+          </p:cNvSpPr>
+          <p:nvPr>
+            <p:ph type="dt" sz="half" idx="10"/>
+          </p:nvPr>
+        </p:nvSpPr>
+        <p:spPr/>
+        <p:txBody>
+          <a:bodyPr/>
+          <a:lstStyle/>
+          <a:p>
+            <a:fld id="{241EB5C9-1307-BA42-ABA2-0BC069CD8E7F}" type="datetimeFigureOut">
+              <a:rPr lang="en-US" smtClean="0"/>
+              <a:t>7/5/2020</a:t>
+            </a:fld>
+            <a:endParaRPr lang="en-US"/>
+          </a:p>
+        </p:txBody>
+      </p:sp>
+      <p:sp>
+        <p:nvSpPr>
+          <p:cNvPr id="3" name="页脚占位符 2"/>
+          <p:cNvSpPr>
+            <a:spLocks noGrp="1"/>
+          </p:cNvSpPr>
+          <p:nvPr>
+            <p:ph type="ftr" sz="quarter" idx="11"/>
+          </p:nvPr>
+        </p:nvSpPr>
+        <p:spPr/>
+        <p:txBody>
+          <a:bodyPr/>
+          <a:lstStyle/>
+          <a:p>
+            <a:endParaRPr lang="en-US"/>
+          </a:p>
+        </p:txBody>
+      </p:sp>
+      <p:sp>
+        <p:nvSpPr>
+          <p:cNvPr id="4" name="灯片编号占位符 3"/>
+          <p:cNvSpPr>
+            <a:spLocks noGrp="1"/>
+          </p:cNvSpPr>
+          <p:nvPr>
+            <p:ph type="sldNum" sz="quarter" idx="12"/>
+          </p:nvPr>
+        </p:nvSpPr>
+        <p:spPr/>
+        <p:txBody>
+          <a:bodyPr/>
+          <a:lstStyle/>
+          <a:p>
+            <a:fld id="{C5EF2332-01BF-834F-8236-50238282D533}" type="slidenum">
+              <a:rPr lang="en-US" smtClean="0"/>
+              <a:t>‹#›</a:t>
+            </a:fld>
+            <a:endParaRPr lang="en-US"/>
+          </a:p>
+        </p:txBody>
+      </p:sp>
+    </p:spTree>
+    <p:extLst>
+      <p:ext uri="{BB962C8B-B14F-4D97-AF65-F5344CB8AC3E}">
+        <p14:creationId xmlns:p14="http://schemas.microsoft.com/office/powerpoint/2010/main" val="809647543"/>
+      </p:ext>
+    </p:extLst>
+  </p:cSld>
+  <p:clrMapOvr>
+    <a:masterClrMapping/>
+  </p:clrMapOvr>
+</p:sldLayout>
+</file>
+
+<file path=ppt/slideLayouts/slideLayout8.xml><?xml version="1.0" encoding="utf-8"?>
+<p:sldLayout xmlns:a="http://schemas.openxmlformats.org/drawingml/2006/main" xmlns:r="http://schemas.openxmlformats.org/officeDocument/2006/relationships" xmlns:p="http://schemas.openxmlformats.org/presentationml/2006/main" type="objTx" preserve="1">
+  <p:cSld name="内容与标题">
+    <p:spTree>
+      <p:nvGrpSpPr>
+        <p:cNvPr id="1" name=""/>
+        <p:cNvGrpSpPr/>
+        <p:nvPr/>
+      </p:nvGrpSpPr>
+      <p:grpSpPr>
+        <a:xfrm>
+          <a:off x="0" y="0"/>
+          <a:ext cx="0" cy="0"/>
+          <a:chOff x="0" y="0"/>
+          <a:chExt cx="0" cy="0"/>
+        </a:xfrm>
+      </p:grpSpPr>
+      <p:sp>
+        <p:nvSpPr>
+          <p:cNvPr id="2" name="标题 1"/>
+          <p:cNvSpPr>
+            <a:spLocks noGrp="1"/>
+          </p:cNvSpPr>
+          <p:nvPr>
+            <p:ph type="title"/>
+          </p:nvPr>
+        </p:nvSpPr>
+        <p:spPr>
+          <a:xfrm>
+            <a:off x="629841" y="381000"/>
+            <a:ext cx="2949178" cy="1333500"/>
+          </a:xfrm>
+        </p:spPr>
+        <p:txBody>
+          <a:bodyPr anchor="b"/>
+          <a:lstStyle>
+            <a:lvl1pPr>
+              <a:defRPr sz="2400"/>
+            </a:lvl1pPr>
+          </a:lstStyle>
+          <a:p>
+            <a:r>
+              <a:rPr lang="zh-CN" altLang="en-US" smtClean="0"/>
+              <a:t>单击此处编辑母版标题样式</a:t>
+            </a:r>
+            <a:endParaRPr lang="zh-CN" altLang="en-US"/>
+          </a:p>
+        </p:txBody>
+      </p:sp>
+      <p:sp>
+        <p:nvSpPr>
+          <p:cNvPr id="3" name="内容占位符 2"/>
+          <p:cNvSpPr>
+            <a:spLocks noGrp="1"/>
+          </p:cNvSpPr>
+          <p:nvPr>
+            <p:ph idx="1"/>
+          </p:nvPr>
+        </p:nvSpPr>
+        <p:spPr>
+          <a:xfrm>
+            <a:off x="3887391" y="822855"/>
+            <a:ext cx="4629150" cy="4061354"/>
+          </a:xfrm>
+        </p:spPr>
+        <p:txBody>
+          <a:bodyPr/>
+          <a:lstStyle>
+            <a:lvl1pPr>
+              <a:defRPr sz="2400"/>
+            </a:lvl1pPr>
+            <a:lvl2pPr>
+              <a:defRPr sz="2100"/>
+            </a:lvl2pPr>
+            <a:lvl3pPr>
+              <a:defRPr sz="1800"/>
+            </a:lvl3pPr>
+            <a:lvl4pPr>
               <a:defRPr sz="1500"/>
             </a:lvl4pPr>
-            <a:lvl5pPr marL="1714431" indent="-190492">
-              <a:buFont typeface="Arial" panose="020B0604020202020204" pitchFamily="34" charset="0"/>
-              <a:buChar char="•"/>
+            <a:lvl5pPr>
               <a:defRPr sz="1500"/>
             </a:lvl5pPr>
             <a:lvl6pPr>
@@ -1273,139 +2013,109 @@
           <a:p>
             <a:pPr lvl="0"/>
             <a:r>
-              <a:rPr lang="en-US" dirty="0" smtClean="0"/>
-              <a:t>Click to edit Master text styles</a:t>
+              <a:rPr lang="zh-CN" altLang="en-US" smtClean="0"/>
+              <a:t>单击此处编辑母版文本样式</a:t>
             </a:r>
           </a:p>
           <a:p>
             <a:pPr lvl="1"/>
             <a:r>
-              <a:rPr lang="en-US" dirty="0" smtClean="0"/>
-              <a:t>Second level</a:t>
+              <a:rPr lang="zh-CN" altLang="en-US" smtClean="0"/>
+              <a:t>第二级</a:t>
             </a:r>
           </a:p>
           <a:p>
             <a:pPr lvl="2"/>
             <a:r>
-              <a:rPr lang="en-US" dirty="0" smtClean="0"/>
-              <a:t>Third level</a:t>
+              <a:rPr lang="zh-CN" altLang="en-US" smtClean="0"/>
+              <a:t>第三级</a:t>
             </a:r>
           </a:p>
           <a:p>
             <a:pPr lvl="3"/>
             <a:r>
-              <a:rPr lang="en-US" dirty="0" smtClean="0"/>
-              <a:t>Fourth level</a:t>
+              <a:rPr lang="zh-CN" altLang="en-US" smtClean="0"/>
+              <a:t>第四级</a:t>
             </a:r>
           </a:p>
           <a:p>
             <a:pPr lvl="4"/>
             <a:r>
-              <a:rPr lang="en-US" dirty="0" smtClean="0"/>
-              <a:t>Fifth level</a:t>
-            </a:r>
-            <a:endParaRPr lang="en-US" dirty="0"/>
-          </a:p>
-        </p:txBody>
-      </p:sp>
-      <p:sp>
-        <p:nvSpPr>
-          <p:cNvPr id="4" name="Content Placeholder 3"/>
-          <p:cNvSpPr>
-            <a:spLocks noGrp="1"/>
-          </p:cNvSpPr>
-          <p:nvPr>
-            <p:ph sz="half" idx="2"/>
+              <a:rPr lang="zh-CN" altLang="en-US" smtClean="0"/>
+              <a:t>第五级</a:t>
+            </a:r>
+            <a:endParaRPr lang="zh-CN" altLang="en-US"/>
+          </a:p>
+        </p:txBody>
+      </p:sp>
+      <p:sp>
+        <p:nvSpPr>
+          <p:cNvPr id="4" name="文本占位符 3"/>
+          <p:cNvSpPr>
+            <a:spLocks noGrp="1"/>
+          </p:cNvSpPr>
+          <p:nvPr>
+            <p:ph type="body" sz="half" idx="2"/>
           </p:nvPr>
         </p:nvSpPr>
         <p:spPr>
           <a:xfrm>
-            <a:off x="4648200" y="1333500"/>
-            <a:ext cx="4038600" cy="3771636"/>
+            <a:off x="629841" y="1714500"/>
+            <a:ext cx="2949178" cy="3176323"/>
           </a:xfrm>
         </p:spPr>
         <p:txBody>
           <a:bodyPr/>
           <a:lstStyle>
-            <a:lvl1pPr marL="285739" indent="-285739">
-              <a:buFont typeface="Arial" panose="020B0604020202020204" pitchFamily="34" charset="0"/>
-              <a:buChar char="•"/>
-              <a:defRPr sz="2333"/>
+            <a:lvl1pPr marL="0" indent="0">
+              <a:buNone/>
+              <a:defRPr sz="1200"/>
             </a:lvl1pPr>
-            <a:lvl2pPr marL="619100" indent="-238115">
-              <a:buFont typeface="Arial" panose="020B0604020202020204" pitchFamily="34" charset="0"/>
-              <a:buChar char="•"/>
-              <a:defRPr sz="2000"/>
+            <a:lvl2pPr marL="342900" indent="0">
+              <a:buNone/>
+              <a:defRPr sz="1050"/>
             </a:lvl2pPr>
-            <a:lvl3pPr marL="952462" indent="-190492">
-              <a:buFont typeface="Arial" panose="020B0604020202020204" pitchFamily="34" charset="0"/>
-              <a:buChar char="•"/>
-              <a:defRPr sz="1667"/>
+            <a:lvl3pPr marL="685800" indent="0">
+              <a:buNone/>
+              <a:defRPr sz="900"/>
             </a:lvl3pPr>
-            <a:lvl4pPr marL="1333447" indent="-190492">
-              <a:buFont typeface="Arial" panose="020B0604020202020204" pitchFamily="34" charset="0"/>
-              <a:buChar char="•"/>
-              <a:defRPr sz="1500"/>
+            <a:lvl4pPr marL="1028700" indent="0">
+              <a:buNone/>
+              <a:defRPr sz="750"/>
             </a:lvl4pPr>
-            <a:lvl5pPr marL="1714431" indent="-190492">
-              <a:buFont typeface="Arial" panose="020B0604020202020204" pitchFamily="34" charset="0"/>
-              <a:buChar char="•"/>
-              <a:defRPr sz="1500"/>
+            <a:lvl5pPr marL="1371600" indent="0">
+              <a:buNone/>
+              <a:defRPr sz="750"/>
             </a:lvl5pPr>
-            <a:lvl6pPr>
-              <a:defRPr sz="1500"/>
+            <a:lvl6pPr marL="1714500" indent="0">
+              <a:buNone/>
+              <a:defRPr sz="750"/>
             </a:lvl6pPr>
-            <a:lvl7pPr>
-              <a:defRPr sz="1500"/>
+            <a:lvl7pPr marL="2057400" indent="0">
+              <a:buNone/>
+              <a:defRPr sz="750"/>
             </a:lvl7pPr>
-            <a:lvl8pPr>
-              <a:defRPr sz="1500"/>
+            <a:lvl8pPr marL="2400300" indent="0">
+              <a:buNone/>
+              <a:defRPr sz="750"/>
             </a:lvl8pPr>
-            <a:lvl9pPr>
-              <a:defRPr sz="1500"/>
+            <a:lvl9pPr marL="2743200" indent="0">
+              <a:buNone/>
+              <a:defRPr sz="750"/>
             </a:lvl9pPr>
           </a:lstStyle>
           <a:p>
             <a:pPr lvl="0"/>
             <a:r>
-              <a:rPr lang="en-US" dirty="0" smtClean="0"/>
-              <a:t>Click to edit Master text styles</a:t>
-            </a:r>
-          </a:p>
-          <a:p>
-            <a:pPr lvl="1"/>
-            <a:r>
-              <a:rPr lang="en-US" dirty="0" smtClean="0"/>
-              <a:t>Second level</a:t>
-            </a:r>
-          </a:p>
-          <a:p>
-            <a:pPr lvl="2"/>
-            <a:r>
-              <a:rPr lang="en-US" dirty="0" smtClean="0"/>
-              <a:t>Third level</a:t>
-            </a:r>
-          </a:p>
-          <a:p>
-            <a:pPr lvl="3"/>
-            <a:r>
-              <a:rPr lang="en-US" dirty="0" smtClean="0"/>
-              <a:t>Fourth level</a:t>
-            </a:r>
-          </a:p>
-          <a:p>
-            <a:pPr lvl="4"/>
-            <a:r>
-              <a:rPr lang="en-US" dirty="0" smtClean="0"/>
-              <a:t>Fifth level</a:t>
-            </a:r>
-            <a:endParaRPr lang="en-US" dirty="0"/>
-          </a:p>
-        </p:txBody>
-      </p:sp>
-      <p:sp>
-        <p:nvSpPr>
-          <p:cNvPr id="5" name="Date Placeholder 4"/>
+              <a:rPr lang="zh-CN" altLang="en-US" smtClean="0"/>
+              <a:t>单击此处编辑母版文本样式</a:t>
+            </a:r>
+          </a:p>
+        </p:txBody>
+      </p:sp>
+      <p:sp>
+        <p:nvSpPr>
+          <p:cNvPr id="5" name="日期占位符 4"/>
           <p:cNvSpPr>
             <a:spLocks noGrp="1"/>
           </p:cNvSpPr>
@@ -1428,7 +2138,7 @@
       </p:sp>
       <p:sp>
         <p:nvSpPr>
-          <p:cNvPr id="6" name="Footer Placeholder 5"/>
+          <p:cNvPr id="6" name="页脚占位符 5"/>
           <p:cNvSpPr>
             <a:spLocks noGrp="1"/>
           </p:cNvSpPr>
@@ -1447,7 +2157,7 @@
       </p:sp>
       <p:sp>
         <p:nvSpPr>
-          <p:cNvPr id="7" name="Slide Number Placeholder 6"/>
+          <p:cNvPr id="7" name="灯片编号占位符 6"/>
           <p:cNvSpPr>
             <a:spLocks noGrp="1"/>
           </p:cNvSpPr>
@@ -1471,7 +2181,7 @@
     </p:spTree>
     <p:extLst>
       <p:ext uri="{BB962C8B-B14F-4D97-AF65-F5344CB8AC3E}">
-        <p14:creationId xmlns:p14="http://schemas.microsoft.com/office/powerpoint/2010/main" val="2619886245"/>
+        <p14:creationId xmlns:p14="http://schemas.microsoft.com/office/powerpoint/2010/main" val="382639538"/>
       </p:ext>
     </p:extLst>
   </p:cSld>
@@ -1481,9 +2191,9 @@
 </p:sldLayout>
 </file>
 
-<file path=ppt/slideLayouts/slideLayout5.xml><?xml version="1.0" encoding="utf-8"?>
-<p:sldLayout xmlns:a="http://schemas.openxmlformats.org/drawingml/2006/main" xmlns:r="http://schemas.openxmlformats.org/officeDocument/2006/relationships" xmlns:p="http://schemas.openxmlformats.org/presentationml/2006/main" type="twoTxTwoObj" preserve="1">
-  <p:cSld name="Comparison">
+<file path=ppt/slideLayouts/slideLayout9.xml><?xml version="1.0" encoding="utf-8"?>
+<p:sldLayout xmlns:a="http://schemas.openxmlformats.org/drawingml/2006/main" xmlns:r="http://schemas.openxmlformats.org/officeDocument/2006/relationships" xmlns:p="http://schemas.openxmlformats.org/presentationml/2006/main" type="picTx" preserve="1">
+  <p:cSld name="图片与标题">
     <p:spTree>
       <p:nvGrpSpPr>
         <p:cNvPr id="1" name=""/>
@@ -1500,7 +2210,7 @@
       </p:grpSpPr>
       <p:sp>
         <p:nvSpPr>
-          <p:cNvPr id="2" name="Title 1"/>
+          <p:cNvPr id="2" name="标题 1"/>
           <p:cNvSpPr>
             <a:spLocks noGrp="1"/>
           </p:cNvSpPr>
@@ -1508,326 +2218,157 @@
             <p:ph type="title"/>
           </p:nvPr>
         </p:nvSpPr>
-        <p:spPr/>
-        <p:txBody>
-          <a:bodyPr/>
+        <p:spPr>
+          <a:xfrm>
+            <a:off x="629841" y="381000"/>
+            <a:ext cx="2949178" cy="1333500"/>
+          </a:xfrm>
+        </p:spPr>
+        <p:txBody>
+          <a:bodyPr anchor="b"/>
           <a:lstStyle>
             <a:lvl1pPr>
-              <a:defRPr/>
+              <a:defRPr sz="2400"/>
             </a:lvl1pPr>
           </a:lstStyle>
           <a:p>
             <a:r>
-              <a:rPr lang="en-US" smtClean="0"/>
-              <a:t>Click to edit Master title style</a:t>
-            </a:r>
-            <a:endParaRPr lang="en-US"/>
-          </a:p>
-        </p:txBody>
-      </p:sp>
-      <p:sp>
-        <p:nvSpPr>
-          <p:cNvPr id="3" name="Text Placeholder 2"/>
-          <p:cNvSpPr>
-            <a:spLocks noGrp="1"/>
-          </p:cNvSpPr>
-          <p:nvPr>
-            <p:ph type="body" idx="1"/>
+              <a:rPr lang="zh-CN" altLang="en-US" smtClean="0"/>
+              <a:t>单击此处编辑母版标题样式</a:t>
+            </a:r>
+            <a:endParaRPr lang="zh-CN" altLang="en-US"/>
+          </a:p>
+        </p:txBody>
+      </p:sp>
+      <p:sp>
+        <p:nvSpPr>
+          <p:cNvPr id="3" name="图片占位符 2"/>
+          <p:cNvSpPr>
+            <a:spLocks noGrp="1"/>
+          </p:cNvSpPr>
+          <p:nvPr>
+            <p:ph type="pic" idx="1"/>
           </p:nvPr>
         </p:nvSpPr>
         <p:spPr>
           <a:xfrm>
-            <a:off x="457200" y="1279261"/>
-            <a:ext cx="4040188" cy="533135"/>
+            <a:off x="3887391" y="822855"/>
+            <a:ext cx="4629150" cy="4061354"/>
           </a:xfrm>
         </p:spPr>
         <p:txBody>
-          <a:bodyPr anchor="b"/>
+          <a:bodyPr/>
           <a:lstStyle>
             <a:lvl1pPr marL="0" indent="0">
               <a:buNone/>
-              <a:defRPr sz="2000" b="1"/>
+              <a:defRPr sz="2400"/>
             </a:lvl1pPr>
-            <a:lvl2pPr marL="380985" indent="0">
-              <a:buNone/>
-              <a:defRPr sz="1667" b="1"/>
+            <a:lvl2pPr marL="342900" indent="0">
+              <a:buNone/>
+              <a:defRPr sz="2100"/>
             </a:lvl2pPr>
-            <a:lvl3pPr marL="761970" indent="0">
-              <a:buNone/>
-              <a:defRPr sz="1500" b="1"/>
+            <a:lvl3pPr marL="685800" indent="0">
+              <a:buNone/>
+              <a:defRPr sz="1800"/>
             </a:lvl3pPr>
-            <a:lvl4pPr marL="1142954" indent="0">
-              <a:buNone/>
-              <a:defRPr sz="1333" b="1"/>
+            <a:lvl4pPr marL="1028700" indent="0">
+              <a:buNone/>
+              <a:defRPr sz="1500"/>
             </a:lvl4pPr>
-            <a:lvl5pPr marL="1523939" indent="0">
-              <a:buNone/>
-              <a:defRPr sz="1333" b="1"/>
+            <a:lvl5pPr marL="1371600" indent="0">
+              <a:buNone/>
+              <a:defRPr sz="1500"/>
             </a:lvl5pPr>
-            <a:lvl6pPr marL="1904924" indent="0">
-              <a:buNone/>
-              <a:defRPr sz="1333" b="1"/>
+            <a:lvl6pPr marL="1714500" indent="0">
+              <a:buNone/>
+              <a:defRPr sz="1500"/>
             </a:lvl6pPr>
-            <a:lvl7pPr marL="2285909" indent="0">
-              <a:buNone/>
-              <a:defRPr sz="1333" b="1"/>
+            <a:lvl7pPr marL="2057400" indent="0">
+              <a:buNone/>
+              <a:defRPr sz="1500"/>
             </a:lvl7pPr>
-            <a:lvl8pPr marL="2666893" indent="0">
-              <a:buNone/>
-              <a:defRPr sz="1333" b="1"/>
+            <a:lvl8pPr marL="2400300" indent="0">
+              <a:buNone/>
+              <a:defRPr sz="1500"/>
             </a:lvl8pPr>
-            <a:lvl9pPr marL="3047878" indent="0">
-              <a:buNone/>
-              <a:defRPr sz="1333" b="1"/>
+            <a:lvl9pPr marL="2743200" indent="0">
+              <a:buNone/>
+              <a:defRPr sz="1500"/>
             </a:lvl9pPr>
           </a:lstStyle>
           <a:p>
-            <a:pPr lvl="0"/>
-            <a:r>
-              <a:rPr lang="en-US" smtClean="0"/>
-              <a:t>Click to edit Master text styles</a:t>
-            </a:r>
-          </a:p>
-        </p:txBody>
-      </p:sp>
-      <p:sp>
-        <p:nvSpPr>
-          <p:cNvPr id="4" name="Content Placeholder 3"/>
-          <p:cNvSpPr>
-            <a:spLocks noGrp="1"/>
-          </p:cNvSpPr>
-          <p:nvPr>
-            <p:ph sz="half" idx="2"/>
+            <a:endParaRPr lang="zh-CN" altLang="en-US"/>
+          </a:p>
+        </p:txBody>
+      </p:sp>
+      <p:sp>
+        <p:nvSpPr>
+          <p:cNvPr id="4" name="文本占位符 3"/>
+          <p:cNvSpPr>
+            <a:spLocks noGrp="1"/>
+          </p:cNvSpPr>
+          <p:nvPr>
+            <p:ph type="body" sz="half" idx="2"/>
           </p:nvPr>
         </p:nvSpPr>
         <p:spPr>
           <a:xfrm>
-            <a:off x="457200" y="1812396"/>
-            <a:ext cx="4040188" cy="3292740"/>
+            <a:off x="629841" y="1714500"/>
+            <a:ext cx="2949178" cy="3176323"/>
           </a:xfrm>
         </p:spPr>
         <p:txBody>
           <a:bodyPr/>
           <a:lstStyle>
-            <a:lvl1pPr>
-              <a:defRPr sz="2000"/>
+            <a:lvl1pPr marL="0" indent="0">
+              <a:buNone/>
+              <a:defRPr sz="1200"/>
             </a:lvl1pPr>
-            <a:lvl2pPr>
-              <a:defRPr sz="1667"/>
+            <a:lvl2pPr marL="342900" indent="0">
+              <a:buNone/>
+              <a:defRPr sz="1050"/>
             </a:lvl2pPr>
-            <a:lvl3pPr>
-              <a:defRPr sz="1500"/>
+            <a:lvl3pPr marL="685800" indent="0">
+              <a:buNone/>
+              <a:defRPr sz="900"/>
             </a:lvl3pPr>
-            <a:lvl4pPr>
-              <a:defRPr sz="1333"/>
+            <a:lvl4pPr marL="1028700" indent="0">
+              <a:buNone/>
+              <a:defRPr sz="750"/>
             </a:lvl4pPr>
-            <a:lvl5pPr>
-              <a:defRPr sz="1333"/>
+            <a:lvl5pPr marL="1371600" indent="0">
+              <a:buNone/>
+              <a:defRPr sz="750"/>
             </a:lvl5pPr>
-            <a:lvl6pPr>
-              <a:defRPr sz="1333"/>
+            <a:lvl6pPr marL="1714500" indent="0">
+              <a:buNone/>
+              <a:defRPr sz="750"/>
             </a:lvl6pPr>
-            <a:lvl7pPr>
-              <a:defRPr sz="1333"/>
+            <a:lvl7pPr marL="2057400" indent="0">
+              <a:buNone/>
+              <a:defRPr sz="750"/>
             </a:lvl7pPr>
-            <a:lvl8pPr>
-              <a:defRPr sz="1333"/>
+            <a:lvl8pPr marL="2400300" indent="0">
+              <a:buNone/>
+              <a:defRPr sz="750"/>
             </a:lvl8pPr>
-            <a:lvl9pPr>
-              <a:defRPr sz="1333"/>
+            <a:lvl9pPr marL="2743200" indent="0">
+              <a:buNone/>
+              <a:defRPr sz="750"/>
             </a:lvl9pPr>
           </a:lstStyle>
           <a:p>
             <a:pPr lvl="0"/>
             <a:r>
-              <a:rPr lang="en-US" smtClean="0"/>
-              <a:t>Click to edit Master text styles</a:t>
-            </a:r>
-          </a:p>
-          <a:p>
-            <a:pPr lvl="1"/>
-            <a:r>
-              <a:rPr lang="en-US" smtClean="0"/>
-              <a:t>Second level</a:t>
-            </a:r>
-          </a:p>
-          <a:p>
-            <a:pPr lvl="2"/>
-            <a:r>
-              <a:rPr lang="en-US" smtClean="0"/>
-              <a:t>Third level</a:t>
-            </a:r>
-          </a:p>
-          <a:p>
-            <a:pPr lvl="3"/>
-            <a:r>
-              <a:rPr lang="en-US" smtClean="0"/>
-              <a:t>Fourth level</a:t>
-            </a:r>
-          </a:p>
-          <a:p>
-            <a:pPr lvl="4"/>
-            <a:r>
-              <a:rPr lang="en-US" smtClean="0"/>
-              <a:t>Fifth level</a:t>
-            </a:r>
-            <a:endParaRPr lang="en-US"/>
-          </a:p>
-        </p:txBody>
-      </p:sp>
-      <p:sp>
-        <p:nvSpPr>
-          <p:cNvPr id="5" name="Text Placeholder 4"/>
-          <p:cNvSpPr>
-            <a:spLocks noGrp="1"/>
-          </p:cNvSpPr>
-          <p:nvPr>
-            <p:ph type="body" sz="quarter" idx="3"/>
-          </p:nvPr>
-        </p:nvSpPr>
-        <p:spPr>
-          <a:xfrm>
-            <a:off x="4645026" y="1279261"/>
-            <a:ext cx="4041775" cy="533135"/>
-          </a:xfrm>
-        </p:spPr>
-        <p:txBody>
-          <a:bodyPr anchor="b"/>
-          <a:lstStyle>
-            <a:lvl1pPr marL="0" indent="0">
-              <a:buNone/>
-              <a:defRPr sz="2000" b="1"/>
-            </a:lvl1pPr>
-            <a:lvl2pPr marL="380985" indent="0">
-              <a:buNone/>
-              <a:defRPr sz="1667" b="1"/>
-            </a:lvl2pPr>
-            <a:lvl3pPr marL="761970" indent="0">
-              <a:buNone/>
-              <a:defRPr sz="1500" b="1"/>
-            </a:lvl3pPr>
-            <a:lvl4pPr marL="1142954" indent="0">
-              <a:buNone/>
-              <a:defRPr sz="1333" b="1"/>
-            </a:lvl4pPr>
-            <a:lvl5pPr marL="1523939" indent="0">
-              <a:buNone/>
-              <a:defRPr sz="1333" b="1"/>
-            </a:lvl5pPr>
-            <a:lvl6pPr marL="1904924" indent="0">
-              <a:buNone/>
-              <a:defRPr sz="1333" b="1"/>
-            </a:lvl6pPr>
-            <a:lvl7pPr marL="2285909" indent="0">
-              <a:buNone/>
-              <a:defRPr sz="1333" b="1"/>
-            </a:lvl7pPr>
-            <a:lvl8pPr marL="2666893" indent="0">
-              <a:buNone/>
-              <a:defRPr sz="1333" b="1"/>
-            </a:lvl8pPr>
-            <a:lvl9pPr marL="3047878" indent="0">
-              <a:buNone/>
-              <a:defRPr sz="1333" b="1"/>
-            </a:lvl9pPr>
-          </a:lstStyle>
-          <a:p>
-            <a:pPr lvl="0"/>
-            <a:r>
-              <a:rPr lang="en-US" smtClean="0"/>
-              <a:t>Click to edit Master text styles</a:t>
-            </a:r>
-          </a:p>
-        </p:txBody>
-      </p:sp>
-      <p:sp>
-        <p:nvSpPr>
-          <p:cNvPr id="6" name="Content Placeholder 5"/>
-          <p:cNvSpPr>
-            <a:spLocks noGrp="1"/>
-          </p:cNvSpPr>
-          <p:nvPr>
-            <p:ph sz="quarter" idx="4"/>
-          </p:nvPr>
-        </p:nvSpPr>
-        <p:spPr>
-          <a:xfrm>
-            <a:off x="4645026" y="1812396"/>
-            <a:ext cx="4041775" cy="3292740"/>
-          </a:xfrm>
-        </p:spPr>
-        <p:txBody>
-          <a:bodyPr/>
-          <a:lstStyle>
-            <a:lvl1pPr>
-              <a:defRPr sz="2000"/>
-            </a:lvl1pPr>
-            <a:lvl2pPr>
-              <a:defRPr sz="1667"/>
-            </a:lvl2pPr>
-            <a:lvl3pPr>
-              <a:defRPr sz="1500"/>
-            </a:lvl3pPr>
-            <a:lvl4pPr>
-              <a:defRPr sz="1333"/>
-            </a:lvl4pPr>
-            <a:lvl5pPr>
-              <a:defRPr sz="1333"/>
-            </a:lvl5pPr>
-            <a:lvl6pPr>
-              <a:defRPr sz="1333"/>
-            </a:lvl6pPr>
-            <a:lvl7pPr>
-              <a:defRPr sz="1333"/>
-            </a:lvl7pPr>
-            <a:lvl8pPr>
-              <a:defRPr sz="1333"/>
-            </a:lvl8pPr>
-            <a:lvl9pPr>
-              <a:defRPr sz="1333"/>
-            </a:lvl9pPr>
-          </a:lstStyle>
-          <a:p>
-            <a:pPr lvl="0"/>
-            <a:r>
-              <a:rPr lang="en-US" smtClean="0"/>
-              <a:t>Click to edit Master text styles</a:t>
-            </a:r>
-          </a:p>
-          <a:p>
-            <a:pPr lvl="1"/>
-            <a:r>
-              <a:rPr lang="en-US" smtClean="0"/>
-              <a:t>Second level</a:t>
-            </a:r>
-          </a:p>
-          <a:p>
-            <a:pPr lvl="2"/>
-            <a:r>
-              <a:rPr lang="en-US" smtClean="0"/>
-              <a:t>Third level</a:t>
-            </a:r>
-          </a:p>
-          <a:p>
-            <a:pPr lvl="3"/>
-            <a:r>
-              <a:rPr lang="en-US" smtClean="0"/>
-              <a:t>Fourth level</a:t>
-            </a:r>
-          </a:p>
-          <a:p>
-            <a:pPr lvl="4"/>
-            <a:r>
-              <a:rPr lang="en-US" smtClean="0"/>
-              <a:t>Fifth level</a:t>
-            </a:r>
-            <a:endParaRPr lang="en-US"/>
-          </a:p>
-        </p:txBody>
-      </p:sp>
-      <p:sp>
-        <p:nvSpPr>
-          <p:cNvPr id="7" name="Date Placeholder 6"/>
+              <a:rPr lang="zh-CN" altLang="en-US" smtClean="0"/>
+              <a:t>单击此处编辑母版文本样式</a:t>
+            </a:r>
+          </a:p>
+        </p:txBody>
+      </p:sp>
+      <p:sp>
+        <p:nvSpPr>
+          <p:cNvPr id="5" name="日期占位符 4"/>
           <p:cNvSpPr>
             <a:spLocks noGrp="1"/>
           </p:cNvSpPr>
@@ -1850,7 +2391,7 @@
       </p:sp>
       <p:sp>
         <p:nvSpPr>
-          <p:cNvPr id="8" name="Footer Placeholder 7"/>
+          <p:cNvPr id="6" name="页脚占位符 5"/>
           <p:cNvSpPr>
             <a:spLocks noGrp="1"/>
           </p:cNvSpPr>
@@ -1869,7 +2410,7 @@
       </p:sp>
       <p:sp>
         <p:nvSpPr>
-          <p:cNvPr id="9" name="Slide Number Placeholder 8"/>
+          <p:cNvPr id="7" name="灯片编号占位符 6"/>
           <p:cNvSpPr>
             <a:spLocks noGrp="1"/>
           </p:cNvSpPr>
@@ -1893,750 +2434,7 @@
     </p:spTree>
     <p:extLst>
       <p:ext uri="{BB962C8B-B14F-4D97-AF65-F5344CB8AC3E}">
-        <p14:creationId xmlns:p14="http://schemas.microsoft.com/office/powerpoint/2010/main" val="2535793967"/>
-      </p:ext>
-    </p:extLst>
-  </p:cSld>
-  <p:clrMapOvr>
-    <a:masterClrMapping/>
-  </p:clrMapOvr>
-</p:sldLayout>
-</file>
-
-<file path=ppt/slideLayouts/slideLayout6.xml><?xml version="1.0" encoding="utf-8"?>
-<p:sldLayout xmlns:a="http://schemas.openxmlformats.org/drawingml/2006/main" xmlns:r="http://schemas.openxmlformats.org/officeDocument/2006/relationships" xmlns:p="http://schemas.openxmlformats.org/presentationml/2006/main" type="titleOnly" preserve="1">
-  <p:cSld name="Title Only">
-    <p:spTree>
-      <p:nvGrpSpPr>
-        <p:cNvPr id="1" name=""/>
-        <p:cNvGrpSpPr/>
-        <p:nvPr/>
-      </p:nvGrpSpPr>
-      <p:grpSpPr>
-        <a:xfrm>
-          <a:off x="0" y="0"/>
-          <a:ext cx="0" cy="0"/>
-          <a:chOff x="0" y="0"/>
-          <a:chExt cx="0" cy="0"/>
-        </a:xfrm>
-      </p:grpSpPr>
-      <p:sp>
-        <p:nvSpPr>
-          <p:cNvPr id="2" name="Title 1"/>
-          <p:cNvSpPr>
-            <a:spLocks noGrp="1"/>
-          </p:cNvSpPr>
-          <p:nvPr>
-            <p:ph type="title"/>
-          </p:nvPr>
-        </p:nvSpPr>
-        <p:spPr/>
-        <p:txBody>
-          <a:bodyPr/>
-          <a:lstStyle/>
-          <a:p>
-            <a:r>
-              <a:rPr lang="en-US" smtClean="0"/>
-              <a:t>Click to edit Master title style</a:t>
-            </a:r>
-            <a:endParaRPr lang="en-US"/>
-          </a:p>
-        </p:txBody>
-      </p:sp>
-      <p:sp>
-        <p:nvSpPr>
-          <p:cNvPr id="3" name="Date Placeholder 2"/>
-          <p:cNvSpPr>
-            <a:spLocks noGrp="1"/>
-          </p:cNvSpPr>
-          <p:nvPr>
-            <p:ph type="dt" sz="half" idx="10"/>
-          </p:nvPr>
-        </p:nvSpPr>
-        <p:spPr/>
-        <p:txBody>
-          <a:bodyPr/>
-          <a:lstStyle/>
-          <a:p>
-            <a:fld id="{241EB5C9-1307-BA42-ABA2-0BC069CD8E7F}" type="datetimeFigureOut">
-              <a:rPr lang="en-US" smtClean="0"/>
-              <a:t>7/5/2020</a:t>
-            </a:fld>
-            <a:endParaRPr lang="en-US"/>
-          </a:p>
-        </p:txBody>
-      </p:sp>
-      <p:sp>
-        <p:nvSpPr>
-          <p:cNvPr id="4" name="Footer Placeholder 3"/>
-          <p:cNvSpPr>
-            <a:spLocks noGrp="1"/>
-          </p:cNvSpPr>
-          <p:nvPr>
-            <p:ph type="ftr" sz="quarter" idx="11"/>
-          </p:nvPr>
-        </p:nvSpPr>
-        <p:spPr/>
-        <p:txBody>
-          <a:bodyPr/>
-          <a:lstStyle/>
-          <a:p>
-            <a:endParaRPr lang="en-US"/>
-          </a:p>
-        </p:txBody>
-      </p:sp>
-      <p:sp>
-        <p:nvSpPr>
-          <p:cNvPr id="5" name="Slide Number Placeholder 4"/>
-          <p:cNvSpPr>
-            <a:spLocks noGrp="1"/>
-          </p:cNvSpPr>
-          <p:nvPr>
-            <p:ph type="sldNum" sz="quarter" idx="12"/>
-          </p:nvPr>
-        </p:nvSpPr>
-        <p:spPr/>
-        <p:txBody>
-          <a:bodyPr/>
-          <a:lstStyle/>
-          <a:p>
-            <a:fld id="{C5EF2332-01BF-834F-8236-50238282D533}" type="slidenum">
-              <a:rPr lang="en-US" smtClean="0"/>
-              <a:t>‹#›</a:t>
-            </a:fld>
-            <a:endParaRPr lang="en-US"/>
-          </a:p>
-        </p:txBody>
-      </p:sp>
-    </p:spTree>
-    <p:extLst>
-      <p:ext uri="{BB962C8B-B14F-4D97-AF65-F5344CB8AC3E}">
-        <p14:creationId xmlns:p14="http://schemas.microsoft.com/office/powerpoint/2010/main" val="3472721253"/>
-      </p:ext>
-    </p:extLst>
-  </p:cSld>
-  <p:clrMapOvr>
-    <a:masterClrMapping/>
-  </p:clrMapOvr>
-</p:sldLayout>
-</file>
-
-<file path=ppt/slideLayouts/slideLayout7.xml><?xml version="1.0" encoding="utf-8"?>
-<p:sldLayout xmlns:a="http://schemas.openxmlformats.org/drawingml/2006/main" xmlns:r="http://schemas.openxmlformats.org/officeDocument/2006/relationships" xmlns:p="http://schemas.openxmlformats.org/presentationml/2006/main" type="blank" preserve="1">
-  <p:cSld name="Blank">
-    <p:spTree>
-      <p:nvGrpSpPr>
-        <p:cNvPr id="1" name=""/>
-        <p:cNvGrpSpPr/>
-        <p:nvPr/>
-      </p:nvGrpSpPr>
-      <p:grpSpPr>
-        <a:xfrm>
-          <a:off x="0" y="0"/>
-          <a:ext cx="0" cy="0"/>
-          <a:chOff x="0" y="0"/>
-          <a:chExt cx="0" cy="0"/>
-        </a:xfrm>
-      </p:grpSpPr>
-      <p:sp>
-        <p:nvSpPr>
-          <p:cNvPr id="2" name="Date Placeholder 1"/>
-          <p:cNvSpPr>
-            <a:spLocks noGrp="1"/>
-          </p:cNvSpPr>
-          <p:nvPr>
-            <p:ph type="dt" sz="half" idx="10"/>
-          </p:nvPr>
-        </p:nvSpPr>
-        <p:spPr/>
-        <p:txBody>
-          <a:bodyPr/>
-          <a:lstStyle/>
-          <a:p>
-            <a:fld id="{241EB5C9-1307-BA42-ABA2-0BC069CD8E7F}" type="datetimeFigureOut">
-              <a:rPr lang="en-US" smtClean="0"/>
-              <a:t>7/5/2020</a:t>
-            </a:fld>
-            <a:endParaRPr lang="en-US"/>
-          </a:p>
-        </p:txBody>
-      </p:sp>
-      <p:sp>
-        <p:nvSpPr>
-          <p:cNvPr id="3" name="Footer Placeholder 2"/>
-          <p:cNvSpPr>
-            <a:spLocks noGrp="1"/>
-          </p:cNvSpPr>
-          <p:nvPr>
-            <p:ph type="ftr" sz="quarter" idx="11"/>
-          </p:nvPr>
-        </p:nvSpPr>
-        <p:spPr/>
-        <p:txBody>
-          <a:bodyPr/>
-          <a:lstStyle/>
-          <a:p>
-            <a:endParaRPr lang="en-US"/>
-          </a:p>
-        </p:txBody>
-      </p:sp>
-      <p:sp>
-        <p:nvSpPr>
-          <p:cNvPr id="4" name="Slide Number Placeholder 3"/>
-          <p:cNvSpPr>
-            <a:spLocks noGrp="1"/>
-          </p:cNvSpPr>
-          <p:nvPr>
-            <p:ph type="sldNum" sz="quarter" idx="12"/>
-          </p:nvPr>
-        </p:nvSpPr>
-        <p:spPr/>
-        <p:txBody>
-          <a:bodyPr/>
-          <a:lstStyle/>
-          <a:p>
-            <a:fld id="{C5EF2332-01BF-834F-8236-50238282D533}" type="slidenum">
-              <a:rPr lang="en-US" smtClean="0"/>
-              <a:t>‹#›</a:t>
-            </a:fld>
-            <a:endParaRPr lang="en-US"/>
-          </a:p>
-        </p:txBody>
-      </p:sp>
-    </p:spTree>
-    <p:extLst>
-      <p:ext uri="{BB962C8B-B14F-4D97-AF65-F5344CB8AC3E}">
-        <p14:creationId xmlns:p14="http://schemas.microsoft.com/office/powerpoint/2010/main" val="2130901097"/>
-      </p:ext>
-    </p:extLst>
-  </p:cSld>
-  <p:clrMapOvr>
-    <a:masterClrMapping/>
-  </p:clrMapOvr>
-</p:sldLayout>
-</file>
-
-<file path=ppt/slideLayouts/slideLayout8.xml><?xml version="1.0" encoding="utf-8"?>
-<p:sldLayout xmlns:a="http://schemas.openxmlformats.org/drawingml/2006/main" xmlns:r="http://schemas.openxmlformats.org/officeDocument/2006/relationships" xmlns:p="http://schemas.openxmlformats.org/presentationml/2006/main" type="objTx" preserve="1">
-  <p:cSld name="Content with Caption">
-    <p:spTree>
-      <p:nvGrpSpPr>
-        <p:cNvPr id="1" name=""/>
-        <p:cNvGrpSpPr/>
-        <p:nvPr/>
-      </p:nvGrpSpPr>
-      <p:grpSpPr>
-        <a:xfrm>
-          <a:off x="0" y="0"/>
-          <a:ext cx="0" cy="0"/>
-          <a:chOff x="0" y="0"/>
-          <a:chExt cx="0" cy="0"/>
-        </a:xfrm>
-      </p:grpSpPr>
-      <p:sp>
-        <p:nvSpPr>
-          <p:cNvPr id="2" name="Title 1"/>
-          <p:cNvSpPr>
-            <a:spLocks noGrp="1"/>
-          </p:cNvSpPr>
-          <p:nvPr>
-            <p:ph type="title"/>
-          </p:nvPr>
-        </p:nvSpPr>
-        <p:spPr>
-          <a:xfrm>
-            <a:off x="457201" y="227542"/>
-            <a:ext cx="3008313" cy="968375"/>
-          </a:xfrm>
-        </p:spPr>
-        <p:txBody>
-          <a:bodyPr anchor="b"/>
-          <a:lstStyle>
-            <a:lvl1pPr algn="l">
-              <a:defRPr sz="1667" b="1"/>
-            </a:lvl1pPr>
-          </a:lstStyle>
-          <a:p>
-            <a:r>
-              <a:rPr lang="en-US" smtClean="0"/>
-              <a:t>Click to edit Master title style</a:t>
-            </a:r>
-            <a:endParaRPr lang="en-US"/>
-          </a:p>
-        </p:txBody>
-      </p:sp>
-      <p:sp>
-        <p:nvSpPr>
-          <p:cNvPr id="3" name="Content Placeholder 2"/>
-          <p:cNvSpPr>
-            <a:spLocks noGrp="1"/>
-          </p:cNvSpPr>
-          <p:nvPr>
-            <p:ph idx="1"/>
-          </p:nvPr>
-        </p:nvSpPr>
-        <p:spPr>
-          <a:xfrm>
-            <a:off x="3575050" y="227542"/>
-            <a:ext cx="5111750" cy="4877594"/>
-          </a:xfrm>
-        </p:spPr>
-        <p:txBody>
-          <a:bodyPr/>
-          <a:lstStyle>
-            <a:lvl1pPr>
-              <a:defRPr sz="2667"/>
-            </a:lvl1pPr>
-            <a:lvl2pPr>
-              <a:defRPr sz="2333"/>
-            </a:lvl2pPr>
-            <a:lvl3pPr>
-              <a:defRPr sz="2000"/>
-            </a:lvl3pPr>
-            <a:lvl4pPr>
-              <a:defRPr sz="1667"/>
-            </a:lvl4pPr>
-            <a:lvl5pPr>
-              <a:defRPr sz="1667"/>
-            </a:lvl5pPr>
-            <a:lvl6pPr>
-              <a:defRPr sz="1667"/>
-            </a:lvl6pPr>
-            <a:lvl7pPr>
-              <a:defRPr sz="1667"/>
-            </a:lvl7pPr>
-            <a:lvl8pPr>
-              <a:defRPr sz="1667"/>
-            </a:lvl8pPr>
-            <a:lvl9pPr>
-              <a:defRPr sz="1667"/>
-            </a:lvl9pPr>
-          </a:lstStyle>
-          <a:p>
-            <a:pPr lvl="0"/>
-            <a:r>
-              <a:rPr lang="en-US" smtClean="0"/>
-              <a:t>Click to edit Master text styles</a:t>
-            </a:r>
-          </a:p>
-          <a:p>
-            <a:pPr lvl="1"/>
-            <a:r>
-              <a:rPr lang="en-US" smtClean="0"/>
-              <a:t>Second level</a:t>
-            </a:r>
-          </a:p>
-          <a:p>
-            <a:pPr lvl="2"/>
-            <a:r>
-              <a:rPr lang="en-US" smtClean="0"/>
-              <a:t>Third level</a:t>
-            </a:r>
-          </a:p>
-          <a:p>
-            <a:pPr lvl="3"/>
-            <a:r>
-              <a:rPr lang="en-US" smtClean="0"/>
-              <a:t>Fourth level</a:t>
-            </a:r>
-          </a:p>
-          <a:p>
-            <a:pPr lvl="4"/>
-            <a:r>
-              <a:rPr lang="en-US" smtClean="0"/>
-              <a:t>Fifth level</a:t>
-            </a:r>
-            <a:endParaRPr lang="en-US"/>
-          </a:p>
-        </p:txBody>
-      </p:sp>
-      <p:sp>
-        <p:nvSpPr>
-          <p:cNvPr id="4" name="Text Placeholder 3"/>
-          <p:cNvSpPr>
-            <a:spLocks noGrp="1"/>
-          </p:cNvSpPr>
-          <p:nvPr>
-            <p:ph type="body" sz="half" idx="2"/>
-          </p:nvPr>
-        </p:nvSpPr>
-        <p:spPr>
-          <a:xfrm>
-            <a:off x="457201" y="1195917"/>
-            <a:ext cx="3008313" cy="3909219"/>
-          </a:xfrm>
-        </p:spPr>
-        <p:txBody>
-          <a:bodyPr/>
-          <a:lstStyle>
-            <a:lvl1pPr marL="0" indent="0">
-              <a:buNone/>
-              <a:defRPr sz="1167"/>
-            </a:lvl1pPr>
-            <a:lvl2pPr marL="380985" indent="0">
-              <a:buNone/>
-              <a:defRPr sz="1000"/>
-            </a:lvl2pPr>
-            <a:lvl3pPr marL="761970" indent="0">
-              <a:buNone/>
-              <a:defRPr sz="833"/>
-            </a:lvl3pPr>
-            <a:lvl4pPr marL="1142954" indent="0">
-              <a:buNone/>
-              <a:defRPr sz="750"/>
-            </a:lvl4pPr>
-            <a:lvl5pPr marL="1523939" indent="0">
-              <a:buNone/>
-              <a:defRPr sz="750"/>
-            </a:lvl5pPr>
-            <a:lvl6pPr marL="1904924" indent="0">
-              <a:buNone/>
-              <a:defRPr sz="750"/>
-            </a:lvl6pPr>
-            <a:lvl7pPr marL="2285909" indent="0">
-              <a:buNone/>
-              <a:defRPr sz="750"/>
-            </a:lvl7pPr>
-            <a:lvl8pPr marL="2666893" indent="0">
-              <a:buNone/>
-              <a:defRPr sz="750"/>
-            </a:lvl8pPr>
-            <a:lvl9pPr marL="3047878" indent="0">
-              <a:buNone/>
-              <a:defRPr sz="750"/>
-            </a:lvl9pPr>
-          </a:lstStyle>
-          <a:p>
-            <a:pPr lvl="0"/>
-            <a:r>
-              <a:rPr lang="en-US" smtClean="0"/>
-              <a:t>Click to edit Master text styles</a:t>
-            </a:r>
-          </a:p>
-        </p:txBody>
-      </p:sp>
-      <p:sp>
-        <p:nvSpPr>
-          <p:cNvPr id="5" name="Date Placeholder 4"/>
-          <p:cNvSpPr>
-            <a:spLocks noGrp="1"/>
-          </p:cNvSpPr>
-          <p:nvPr>
-            <p:ph type="dt" sz="half" idx="10"/>
-          </p:nvPr>
-        </p:nvSpPr>
-        <p:spPr/>
-        <p:txBody>
-          <a:bodyPr/>
-          <a:lstStyle/>
-          <a:p>
-            <a:fld id="{241EB5C9-1307-BA42-ABA2-0BC069CD8E7F}" type="datetimeFigureOut">
-              <a:rPr lang="en-US" smtClean="0"/>
-              <a:t>7/5/2020</a:t>
-            </a:fld>
-            <a:endParaRPr lang="en-US"/>
-          </a:p>
-        </p:txBody>
-      </p:sp>
-      <p:sp>
-        <p:nvSpPr>
-          <p:cNvPr id="6" name="Footer Placeholder 5"/>
-          <p:cNvSpPr>
-            <a:spLocks noGrp="1"/>
-          </p:cNvSpPr>
-          <p:nvPr>
-            <p:ph type="ftr" sz="quarter" idx="11"/>
-          </p:nvPr>
-        </p:nvSpPr>
-        <p:spPr/>
-        <p:txBody>
-          <a:bodyPr/>
-          <a:lstStyle/>
-          <a:p>
-            <a:endParaRPr lang="en-US"/>
-          </a:p>
-        </p:txBody>
-      </p:sp>
-      <p:sp>
-        <p:nvSpPr>
-          <p:cNvPr id="7" name="Slide Number Placeholder 6"/>
-          <p:cNvSpPr>
-            <a:spLocks noGrp="1"/>
-          </p:cNvSpPr>
-          <p:nvPr>
-            <p:ph type="sldNum" sz="quarter" idx="12"/>
-          </p:nvPr>
-        </p:nvSpPr>
-        <p:spPr/>
-        <p:txBody>
-          <a:bodyPr/>
-          <a:lstStyle/>
-          <a:p>
-            <a:fld id="{C5EF2332-01BF-834F-8236-50238282D533}" type="slidenum">
-              <a:rPr lang="en-US" smtClean="0"/>
-              <a:t>‹#›</a:t>
-            </a:fld>
-            <a:endParaRPr lang="en-US"/>
-          </a:p>
-        </p:txBody>
-      </p:sp>
-    </p:spTree>
-    <p:extLst>
-      <p:ext uri="{BB962C8B-B14F-4D97-AF65-F5344CB8AC3E}">
-        <p14:creationId xmlns:p14="http://schemas.microsoft.com/office/powerpoint/2010/main" val="3540895647"/>
-      </p:ext>
-    </p:extLst>
-  </p:cSld>
-  <p:clrMapOvr>
-    <a:masterClrMapping/>
-  </p:clrMapOvr>
-</p:sldLayout>
-</file>
-
-<file path=ppt/slideLayouts/slideLayout9.xml><?xml version="1.0" encoding="utf-8"?>
-<p:sldLayout xmlns:a="http://schemas.openxmlformats.org/drawingml/2006/main" xmlns:r="http://schemas.openxmlformats.org/officeDocument/2006/relationships" xmlns:p="http://schemas.openxmlformats.org/presentationml/2006/main" type="picTx" preserve="1">
-  <p:cSld name="Picture with Caption">
-    <p:spTree>
-      <p:nvGrpSpPr>
-        <p:cNvPr id="1" name=""/>
-        <p:cNvGrpSpPr/>
-        <p:nvPr/>
-      </p:nvGrpSpPr>
-      <p:grpSpPr>
-        <a:xfrm>
-          <a:off x="0" y="0"/>
-          <a:ext cx="0" cy="0"/>
-          <a:chOff x="0" y="0"/>
-          <a:chExt cx="0" cy="0"/>
-        </a:xfrm>
-      </p:grpSpPr>
-      <p:sp>
-        <p:nvSpPr>
-          <p:cNvPr id="2" name="Title 1"/>
-          <p:cNvSpPr>
-            <a:spLocks noGrp="1"/>
-          </p:cNvSpPr>
-          <p:nvPr>
-            <p:ph type="title"/>
-          </p:nvPr>
-        </p:nvSpPr>
-        <p:spPr>
-          <a:xfrm>
-            <a:off x="1792288" y="4000500"/>
-            <a:ext cx="5486400" cy="472282"/>
-          </a:xfrm>
-        </p:spPr>
-        <p:txBody>
-          <a:bodyPr anchor="b"/>
-          <a:lstStyle>
-            <a:lvl1pPr algn="l">
-              <a:defRPr sz="1667" b="1"/>
-            </a:lvl1pPr>
-          </a:lstStyle>
-          <a:p>
-            <a:r>
-              <a:rPr lang="en-US" smtClean="0"/>
-              <a:t>Click to edit Master title style</a:t>
-            </a:r>
-            <a:endParaRPr lang="en-US"/>
-          </a:p>
-        </p:txBody>
-      </p:sp>
-      <p:sp>
-        <p:nvSpPr>
-          <p:cNvPr id="3" name="Picture Placeholder 2"/>
-          <p:cNvSpPr>
-            <a:spLocks noGrp="1"/>
-          </p:cNvSpPr>
-          <p:nvPr>
-            <p:ph type="pic" idx="1"/>
-          </p:nvPr>
-        </p:nvSpPr>
-        <p:spPr>
-          <a:xfrm>
-            <a:off x="1792288" y="510646"/>
-            <a:ext cx="5486400" cy="3429000"/>
-          </a:xfrm>
-        </p:spPr>
-        <p:txBody>
-          <a:bodyPr/>
-          <a:lstStyle>
-            <a:lvl1pPr marL="0" indent="0">
-              <a:buNone/>
-              <a:defRPr sz="2667"/>
-            </a:lvl1pPr>
-            <a:lvl2pPr marL="380985" indent="0">
-              <a:buNone/>
-              <a:defRPr sz="2333"/>
-            </a:lvl2pPr>
-            <a:lvl3pPr marL="761970" indent="0">
-              <a:buNone/>
-              <a:defRPr sz="2000"/>
-            </a:lvl3pPr>
-            <a:lvl4pPr marL="1142954" indent="0">
-              <a:buNone/>
-              <a:defRPr sz="1667"/>
-            </a:lvl4pPr>
-            <a:lvl5pPr marL="1523939" indent="0">
-              <a:buNone/>
-              <a:defRPr sz="1667"/>
-            </a:lvl5pPr>
-            <a:lvl6pPr marL="1904924" indent="0">
-              <a:buNone/>
-              <a:defRPr sz="1667"/>
-            </a:lvl6pPr>
-            <a:lvl7pPr marL="2285909" indent="0">
-              <a:buNone/>
-              <a:defRPr sz="1667"/>
-            </a:lvl7pPr>
-            <a:lvl8pPr marL="2666893" indent="0">
-              <a:buNone/>
-              <a:defRPr sz="1667"/>
-            </a:lvl8pPr>
-            <a:lvl9pPr marL="3047878" indent="0">
-              <a:buNone/>
-              <a:defRPr sz="1667"/>
-            </a:lvl9pPr>
-          </a:lstStyle>
-          <a:p>
-            <a:endParaRPr lang="en-US"/>
-          </a:p>
-        </p:txBody>
-      </p:sp>
-      <p:sp>
-        <p:nvSpPr>
-          <p:cNvPr id="4" name="Text Placeholder 3"/>
-          <p:cNvSpPr>
-            <a:spLocks noGrp="1"/>
-          </p:cNvSpPr>
-          <p:nvPr>
-            <p:ph type="body" sz="half" idx="2"/>
-          </p:nvPr>
-        </p:nvSpPr>
-        <p:spPr>
-          <a:xfrm>
-            <a:off x="1792288" y="4472782"/>
-            <a:ext cx="5486400" cy="670718"/>
-          </a:xfrm>
-        </p:spPr>
-        <p:txBody>
-          <a:bodyPr/>
-          <a:lstStyle>
-            <a:lvl1pPr marL="0" indent="0">
-              <a:buNone/>
-              <a:defRPr sz="1167"/>
-            </a:lvl1pPr>
-            <a:lvl2pPr marL="380985" indent="0">
-              <a:buNone/>
-              <a:defRPr sz="1000"/>
-            </a:lvl2pPr>
-            <a:lvl3pPr marL="761970" indent="0">
-              <a:buNone/>
-              <a:defRPr sz="833"/>
-            </a:lvl3pPr>
-            <a:lvl4pPr marL="1142954" indent="0">
-              <a:buNone/>
-              <a:defRPr sz="750"/>
-            </a:lvl4pPr>
-            <a:lvl5pPr marL="1523939" indent="0">
-              <a:buNone/>
-              <a:defRPr sz="750"/>
-            </a:lvl5pPr>
-            <a:lvl6pPr marL="1904924" indent="0">
-              <a:buNone/>
-              <a:defRPr sz="750"/>
-            </a:lvl6pPr>
-            <a:lvl7pPr marL="2285909" indent="0">
-              <a:buNone/>
-              <a:defRPr sz="750"/>
-            </a:lvl7pPr>
-            <a:lvl8pPr marL="2666893" indent="0">
-              <a:buNone/>
-              <a:defRPr sz="750"/>
-            </a:lvl8pPr>
-            <a:lvl9pPr marL="3047878" indent="0">
-              <a:buNone/>
-              <a:defRPr sz="750"/>
-            </a:lvl9pPr>
-          </a:lstStyle>
-          <a:p>
-            <a:pPr lvl="0"/>
-            <a:r>
-              <a:rPr lang="en-US" smtClean="0"/>
-              <a:t>Click to edit Master text styles</a:t>
-            </a:r>
-          </a:p>
-        </p:txBody>
-      </p:sp>
-      <p:sp>
-        <p:nvSpPr>
-          <p:cNvPr id="5" name="Date Placeholder 4"/>
-          <p:cNvSpPr>
-            <a:spLocks noGrp="1"/>
-          </p:cNvSpPr>
-          <p:nvPr>
-            <p:ph type="dt" sz="half" idx="10"/>
-          </p:nvPr>
-        </p:nvSpPr>
-        <p:spPr/>
-        <p:txBody>
-          <a:bodyPr/>
-          <a:lstStyle/>
-          <a:p>
-            <a:fld id="{241EB5C9-1307-BA42-ABA2-0BC069CD8E7F}" type="datetimeFigureOut">
-              <a:rPr lang="en-US" smtClean="0"/>
-              <a:t>7/5/2020</a:t>
-            </a:fld>
-            <a:endParaRPr lang="en-US"/>
-          </a:p>
-        </p:txBody>
-      </p:sp>
-      <p:sp>
-        <p:nvSpPr>
-          <p:cNvPr id="6" name="Footer Placeholder 5"/>
-          <p:cNvSpPr>
-            <a:spLocks noGrp="1"/>
-          </p:cNvSpPr>
-          <p:nvPr>
-            <p:ph type="ftr" sz="quarter" idx="11"/>
-          </p:nvPr>
-        </p:nvSpPr>
-        <p:spPr/>
-        <p:txBody>
-          <a:bodyPr/>
-          <a:lstStyle/>
-          <a:p>
-            <a:endParaRPr lang="en-US"/>
-          </a:p>
-        </p:txBody>
-      </p:sp>
-      <p:sp>
-        <p:nvSpPr>
-          <p:cNvPr id="7" name="Slide Number Placeholder 6"/>
-          <p:cNvSpPr>
-            <a:spLocks noGrp="1"/>
-          </p:cNvSpPr>
-          <p:nvPr>
-            <p:ph type="sldNum" sz="quarter" idx="12"/>
-          </p:nvPr>
-        </p:nvSpPr>
-        <p:spPr/>
-        <p:txBody>
-          <a:bodyPr/>
-          <a:lstStyle/>
-          <a:p>
-            <a:fld id="{C5EF2332-01BF-834F-8236-50238282D533}" type="slidenum">
-              <a:rPr lang="en-US" smtClean="0"/>
-              <a:t>‹#›</a:t>
-            </a:fld>
-            <a:endParaRPr lang="en-US"/>
-          </a:p>
-        </p:txBody>
-      </p:sp>
-    </p:spTree>
-    <p:extLst>
-      <p:ext uri="{BB962C8B-B14F-4D97-AF65-F5344CB8AC3E}">
-        <p14:creationId xmlns:p14="http://schemas.microsoft.com/office/powerpoint/2010/main" val="3566899855"/>
+        <p14:creationId xmlns:p14="http://schemas.microsoft.com/office/powerpoint/2010/main" val="4254315196"/>
       </p:ext>
     </p:extLst>
   </p:cSld>
@@ -2670,7 +2468,7 @@
       </p:grpSpPr>
       <p:sp>
         <p:nvSpPr>
-          <p:cNvPr id="2" name="Title Placeholder 1"/>
+          <p:cNvPr id="2" name="标题占位符 1"/>
           <p:cNvSpPr>
             <a:spLocks noGrp="1"/>
           </p:cNvSpPr>
@@ -2680,8 +2478,8 @@
         </p:nvSpPr>
         <p:spPr>
           <a:xfrm>
-            <a:off x="457200" y="228865"/>
-            <a:ext cx="8229600" cy="952500"/>
+            <a:off x="628650" y="304271"/>
+            <a:ext cx="7886700" cy="1104636"/>
           </a:xfrm>
           <a:prstGeom prst="rect">
             <a:avLst/>
@@ -2694,16 +2492,16 @@
           <a:lstStyle/>
           <a:p>
             <a:r>
-              <a:rPr lang="en-US" smtClean="0"/>
-              <a:t>Click to edit Master title style</a:t>
-            </a:r>
-            <a:endParaRPr lang="en-US"/>
-          </a:p>
-        </p:txBody>
-      </p:sp>
-      <p:sp>
-        <p:nvSpPr>
-          <p:cNvPr id="3" name="Text Placeholder 2"/>
+              <a:rPr lang="zh-CN" altLang="en-US" dirty="0" smtClean="0"/>
+              <a:t>单击此处编辑母版标题样式</a:t>
+            </a:r>
+            <a:endParaRPr lang="zh-CN" altLang="en-US" dirty="0"/>
+          </a:p>
+        </p:txBody>
+      </p:sp>
+      <p:sp>
+        <p:nvSpPr>
+          <p:cNvPr id="3" name="文本占位符 2"/>
           <p:cNvSpPr>
             <a:spLocks noGrp="1"/>
           </p:cNvSpPr>
@@ -2713,8 +2511,8 @@
         </p:nvSpPr>
         <p:spPr>
           <a:xfrm>
-            <a:off x="457200" y="1333500"/>
-            <a:ext cx="8229600" cy="3771636"/>
+            <a:off x="628650" y="1521354"/>
+            <a:ext cx="7886700" cy="3626115"/>
           </a:xfrm>
           <a:prstGeom prst="rect">
             <a:avLst/>
@@ -2728,44 +2526,44 @@
           <a:p>
             <a:pPr lvl="0"/>
             <a:r>
-              <a:rPr lang="en-US" smtClean="0"/>
-              <a:t>Click to edit Master text styles</a:t>
+              <a:rPr lang="zh-CN" altLang="en-US" dirty="0" smtClean="0"/>
+              <a:t>单击此处编辑母版文本样式</a:t>
             </a:r>
           </a:p>
           <a:p>
             <a:pPr lvl="1"/>
             <a:r>
-              <a:rPr lang="en-US" smtClean="0"/>
-              <a:t>Second level</a:t>
+              <a:rPr lang="zh-CN" altLang="en-US" dirty="0" smtClean="0"/>
+              <a:t>第二级</a:t>
             </a:r>
           </a:p>
           <a:p>
             <a:pPr lvl="2"/>
             <a:r>
-              <a:rPr lang="en-US" smtClean="0"/>
-              <a:t>Third level</a:t>
+              <a:rPr lang="zh-CN" altLang="en-US" dirty="0" smtClean="0"/>
+              <a:t>第三级</a:t>
             </a:r>
           </a:p>
           <a:p>
             <a:pPr lvl="3"/>
             <a:r>
-              <a:rPr lang="en-US" smtClean="0"/>
-              <a:t>Fourth level</a:t>
+              <a:rPr lang="zh-CN" altLang="en-US" dirty="0" smtClean="0"/>
+              <a:t>第四级</a:t>
             </a:r>
           </a:p>
           <a:p>
             <a:pPr lvl="4"/>
             <a:r>
-              <a:rPr lang="en-US" smtClean="0"/>
-              <a:t>Fifth level</a:t>
-            </a:r>
-            <a:endParaRPr lang="en-US"/>
-          </a:p>
-        </p:txBody>
-      </p:sp>
-      <p:sp>
-        <p:nvSpPr>
-          <p:cNvPr id="4" name="Date Placeholder 3"/>
+              <a:rPr lang="zh-CN" altLang="en-US" dirty="0" smtClean="0"/>
+              <a:t>第五级</a:t>
+            </a:r>
+            <a:endParaRPr lang="zh-CN" altLang="en-US" dirty="0"/>
+          </a:p>
+        </p:txBody>
+      </p:sp>
+      <p:sp>
+        <p:nvSpPr>
+          <p:cNvPr id="4" name="日期占位符 3"/>
           <p:cNvSpPr>
             <a:spLocks noGrp="1"/>
           </p:cNvSpPr>
@@ -2775,8 +2573,8 @@
         </p:nvSpPr>
         <p:spPr>
           <a:xfrm>
-            <a:off x="457200" y="5296959"/>
-            <a:ext cx="2133600" cy="304271"/>
+            <a:off x="628650" y="5296959"/>
+            <a:ext cx="2057400" cy="304271"/>
           </a:xfrm>
           <a:prstGeom prst="rect">
             <a:avLst/>
@@ -2786,7 +2584,7 @@
           <a:bodyPr vert="horz" lIns="91440" tIns="45720" rIns="91440" bIns="45720" rtlCol="0" anchor="ctr"/>
           <a:lstStyle>
             <a:lvl1pPr algn="l">
-              <a:defRPr sz="1000">
+              <a:defRPr sz="900">
                 <a:solidFill>
                   <a:schemeClr val="tx1">
                     <a:tint val="75000"/>
@@ -2806,7 +2604,7 @@
       </p:sp>
       <p:sp>
         <p:nvSpPr>
-          <p:cNvPr id="5" name="Footer Placeholder 4"/>
+          <p:cNvPr id="5" name="页脚占位符 4"/>
           <p:cNvSpPr>
             <a:spLocks noGrp="1"/>
           </p:cNvSpPr>
@@ -2816,8 +2614,8 @@
         </p:nvSpPr>
         <p:spPr>
           <a:xfrm>
-            <a:off x="3124200" y="5296959"/>
-            <a:ext cx="2895600" cy="304271"/>
+            <a:off x="3028950" y="5296959"/>
+            <a:ext cx="3086100" cy="304271"/>
           </a:xfrm>
           <a:prstGeom prst="rect">
             <a:avLst/>
@@ -2827,7 +2625,7 @@
           <a:bodyPr vert="horz" lIns="91440" tIns="45720" rIns="91440" bIns="45720" rtlCol="0" anchor="ctr"/>
           <a:lstStyle>
             <a:lvl1pPr algn="ctr">
-              <a:defRPr sz="1000">
+              <a:defRPr sz="900">
                 <a:solidFill>
                   <a:schemeClr val="tx1">
                     <a:tint val="75000"/>
@@ -2843,7 +2641,7 @@
       </p:sp>
       <p:sp>
         <p:nvSpPr>
-          <p:cNvPr id="6" name="Slide Number Placeholder 5"/>
+          <p:cNvPr id="6" name="灯片编号占位符 5"/>
           <p:cNvSpPr>
             <a:spLocks noGrp="1"/>
           </p:cNvSpPr>
@@ -2853,8 +2651,8 @@
         </p:nvSpPr>
         <p:spPr>
           <a:xfrm>
-            <a:off x="6553200" y="5296959"/>
-            <a:ext cx="2133600" cy="304271"/>
+            <a:off x="6457950" y="5296959"/>
+            <a:ext cx="2057400" cy="304271"/>
           </a:xfrm>
           <a:prstGeom prst="rect">
             <a:avLst/>
@@ -2864,7 +2662,7 @@
           <a:bodyPr vert="horz" lIns="91440" tIns="45720" rIns="91440" bIns="45720" rtlCol="0" anchor="ctr"/>
           <a:lstStyle>
             <a:lvl1pPr algn="r">
-              <a:defRPr sz="1000">
+              <a:defRPr sz="900">
                 <a:solidFill>
                   <a:schemeClr val="tx1">
                     <a:tint val="75000"/>
@@ -2885,49 +2683,55 @@
     </p:spTree>
     <p:extLst>
       <p:ext uri="{BB962C8B-B14F-4D97-AF65-F5344CB8AC3E}">
-        <p14:creationId xmlns:p14="http://schemas.microsoft.com/office/powerpoint/2010/main" val="3676200875"/>
+        <p14:creationId xmlns:p14="http://schemas.microsoft.com/office/powerpoint/2010/main" val="3584674269"/>
       </p:ext>
     </p:extLst>
   </p:cSld>
   <p:clrMap bg1="lt1" tx1="dk1" bg2="lt2" tx2="dk2" accent1="accent1" accent2="accent2" accent3="accent3" accent4="accent4" accent5="accent5" accent6="accent6" hlink="hlink" folHlink="folHlink"/>
   <p:sldLayoutIdLst>
-    <p:sldLayoutId id="2147483649" r:id="rId1"/>
-    <p:sldLayoutId id="2147483650" r:id="rId2"/>
-    <p:sldLayoutId id="2147483651" r:id="rId3"/>
-    <p:sldLayoutId id="2147483652" r:id="rId4"/>
-    <p:sldLayoutId id="2147483653" r:id="rId5"/>
-    <p:sldLayoutId id="2147483654" r:id="rId6"/>
-    <p:sldLayoutId id="2147483655" r:id="rId7"/>
-    <p:sldLayoutId id="2147483656" r:id="rId8"/>
-    <p:sldLayoutId id="2147483657" r:id="rId9"/>
-    <p:sldLayoutId id="2147483658" r:id="rId10"/>
-    <p:sldLayoutId id="2147483659" r:id="rId11"/>
+    <p:sldLayoutId id="2147483673" r:id="rId1"/>
+    <p:sldLayoutId id="2147483674" r:id="rId2"/>
+    <p:sldLayoutId id="2147483675" r:id="rId3"/>
+    <p:sldLayoutId id="2147483676" r:id="rId4"/>
+    <p:sldLayoutId id="2147483677" r:id="rId5"/>
+    <p:sldLayoutId id="2147483678" r:id="rId6"/>
+    <p:sldLayoutId id="2147483679" r:id="rId7"/>
+    <p:sldLayoutId id="2147483680" r:id="rId8"/>
+    <p:sldLayoutId id="2147483681" r:id="rId9"/>
+    <p:sldLayoutId id="2147483682" r:id="rId10"/>
+    <p:sldLayoutId id="2147483683" r:id="rId11"/>
   </p:sldLayoutIdLst>
   <p:txStyles>
     <p:titleStyle>
-      <a:lvl1pPr algn="ctr" defTabSz="380985" rtl="0" eaLnBrk="1" latinLnBrk="0" hangingPunct="1">
+      <a:lvl1pPr algn="l" defTabSz="685800" rtl="0" eaLnBrk="1" latinLnBrk="0" hangingPunct="1">
+        <a:lnSpc>
+          <a:spcPct val="90000"/>
+        </a:lnSpc>
         <a:spcBef>
           <a:spcPct val="0"/>
         </a:spcBef>
         <a:buNone/>
-        <a:defRPr sz="3667" kern="1200">
+        <a:defRPr sz="3200" kern="1200">
           <a:solidFill>
             <a:schemeClr val="tx1"/>
           </a:solidFill>
-          <a:latin typeface="+mj-lt"/>
-          <a:ea typeface="+mj-ea"/>
+          <a:latin typeface="微软雅黑" panose="020B0503020204020204" pitchFamily="34" charset="-122"/>
+          <a:ea typeface="微软雅黑" panose="020B0503020204020204" pitchFamily="34" charset="-122"/>
           <a:cs typeface="+mj-cs"/>
         </a:defRPr>
       </a:lvl1pPr>
     </p:titleStyle>
     <p:bodyStyle>
-      <a:lvl1pPr marL="285739" indent="-285739" algn="l" defTabSz="380985" rtl="0" eaLnBrk="1" latinLnBrk="0" hangingPunct="1">
+      <a:lvl1pPr marL="171450" indent="-171450" algn="l" defTabSz="685800" rtl="0" eaLnBrk="1" latinLnBrk="0" hangingPunct="1">
+        <a:lnSpc>
+          <a:spcPct val="90000"/>
+        </a:lnSpc>
         <a:spcBef>
-          <a:spcPct val="20000"/>
+          <a:spcPts val="750"/>
         </a:spcBef>
-        <a:buFont typeface="Arial"/>
+        <a:buFont typeface="Arial" panose="020B0604020202020204" pitchFamily="34" charset="0"/>
         <a:buChar char="•"/>
-        <a:defRPr sz="2667" kern="1200">
+        <a:defRPr sz="2100" kern="1200">
           <a:solidFill>
             <a:schemeClr val="tx1"/>
           </a:solidFill>
@@ -2936,13 +2740,16 @@
           <a:cs typeface="+mn-cs"/>
         </a:defRPr>
       </a:lvl1pPr>
-      <a:lvl2pPr marL="619100" indent="-238115" algn="l" defTabSz="380985" rtl="0" eaLnBrk="1" latinLnBrk="0" hangingPunct="1">
+      <a:lvl2pPr marL="514350" indent="-171450" algn="l" defTabSz="685800" rtl="0" eaLnBrk="1" latinLnBrk="0" hangingPunct="1">
+        <a:lnSpc>
+          <a:spcPct val="90000"/>
+        </a:lnSpc>
         <a:spcBef>
-          <a:spcPct val="20000"/>
+          <a:spcPts val="375"/>
         </a:spcBef>
-        <a:buFont typeface="Arial"/>
-        <a:buChar char="–"/>
-        <a:defRPr sz="2333" kern="1200">
+        <a:buFont typeface="Arial" panose="020B0604020202020204" pitchFamily="34" charset="0"/>
+        <a:buChar char="•"/>
+        <a:defRPr sz="1800" kern="1200">
           <a:solidFill>
             <a:schemeClr val="tx1"/>
           </a:solidFill>
@@ -2951,13 +2758,16 @@
           <a:cs typeface="+mn-cs"/>
         </a:defRPr>
       </a:lvl2pPr>
-      <a:lvl3pPr marL="952462" indent="-190492" algn="l" defTabSz="380985" rtl="0" eaLnBrk="1" latinLnBrk="0" hangingPunct="1">
+      <a:lvl3pPr marL="857250" indent="-171450" algn="l" defTabSz="685800" rtl="0" eaLnBrk="1" latinLnBrk="0" hangingPunct="1">
+        <a:lnSpc>
+          <a:spcPct val="90000"/>
+        </a:lnSpc>
         <a:spcBef>
-          <a:spcPct val="20000"/>
+          <a:spcPts val="375"/>
         </a:spcBef>
-        <a:buFont typeface="Arial"/>
+        <a:buFont typeface="Arial" panose="020B0604020202020204" pitchFamily="34" charset="0"/>
         <a:buChar char="•"/>
-        <a:defRPr sz="2000" kern="1200">
+        <a:defRPr sz="1500" kern="1200">
           <a:solidFill>
             <a:schemeClr val="tx1"/>
           </a:solidFill>
@@ -2966,13 +2776,16 @@
           <a:cs typeface="+mn-cs"/>
         </a:defRPr>
       </a:lvl3pPr>
-      <a:lvl4pPr marL="1333447" indent="-190492" algn="l" defTabSz="380985" rtl="0" eaLnBrk="1" latinLnBrk="0" hangingPunct="1">
+      <a:lvl4pPr marL="1200150" indent="-171450" algn="l" defTabSz="685800" rtl="0" eaLnBrk="1" latinLnBrk="0" hangingPunct="1">
+        <a:lnSpc>
+          <a:spcPct val="90000"/>
+        </a:lnSpc>
         <a:spcBef>
-          <a:spcPct val="20000"/>
+          <a:spcPts val="375"/>
         </a:spcBef>
-        <a:buFont typeface="Arial"/>
-        <a:buChar char="–"/>
-        <a:defRPr sz="1667" kern="1200">
+        <a:buFont typeface="Arial" panose="020B0604020202020204" pitchFamily="34" charset="0"/>
+        <a:buChar char="•"/>
+        <a:defRPr sz="1350" kern="1200">
           <a:solidFill>
             <a:schemeClr val="tx1"/>
           </a:solidFill>
@@ -2981,13 +2794,16 @@
           <a:cs typeface="+mn-cs"/>
         </a:defRPr>
       </a:lvl4pPr>
-      <a:lvl5pPr marL="1714431" indent="-190492" algn="l" defTabSz="380985" rtl="0" eaLnBrk="1" latinLnBrk="0" hangingPunct="1">
+      <a:lvl5pPr marL="1543050" indent="-171450" algn="l" defTabSz="685800" rtl="0" eaLnBrk="1" latinLnBrk="0" hangingPunct="1">
+        <a:lnSpc>
+          <a:spcPct val="90000"/>
+        </a:lnSpc>
         <a:spcBef>
-          <a:spcPct val="20000"/>
+          <a:spcPts val="375"/>
         </a:spcBef>
-        <a:buFont typeface="Arial"/>
-        <a:buChar char="»"/>
-        <a:defRPr sz="1667" kern="1200">
+        <a:buFont typeface="Arial" panose="020B0604020202020204" pitchFamily="34" charset="0"/>
+        <a:buChar char="•"/>
+        <a:defRPr sz="1350" kern="1200">
           <a:solidFill>
             <a:schemeClr val="tx1"/>
           </a:solidFill>
@@ -2996,13 +2812,16 @@
           <a:cs typeface="+mn-cs"/>
         </a:defRPr>
       </a:lvl5pPr>
-      <a:lvl6pPr marL="2095416" indent="-190492" algn="l" defTabSz="380985" rtl="0" eaLnBrk="1" latinLnBrk="0" hangingPunct="1">
+      <a:lvl6pPr marL="1885950" indent="-171450" algn="l" defTabSz="685800" rtl="0" eaLnBrk="1" latinLnBrk="0" hangingPunct="1">
+        <a:lnSpc>
+          <a:spcPct val="90000"/>
+        </a:lnSpc>
         <a:spcBef>
-          <a:spcPct val="20000"/>
+          <a:spcPts val="375"/>
         </a:spcBef>
-        <a:buFont typeface="Arial"/>
+        <a:buFont typeface="Arial" panose="020B0604020202020204" pitchFamily="34" charset="0"/>
         <a:buChar char="•"/>
-        <a:defRPr sz="1667" kern="1200">
+        <a:defRPr sz="1350" kern="1200">
           <a:solidFill>
             <a:schemeClr val="tx1"/>
           </a:solidFill>
@@ -3011,13 +2830,16 @@
           <a:cs typeface="+mn-cs"/>
         </a:defRPr>
       </a:lvl6pPr>
-      <a:lvl7pPr marL="2476401" indent="-190492" algn="l" defTabSz="380985" rtl="0" eaLnBrk="1" latinLnBrk="0" hangingPunct="1">
+      <a:lvl7pPr marL="2228850" indent="-171450" algn="l" defTabSz="685800" rtl="0" eaLnBrk="1" latinLnBrk="0" hangingPunct="1">
+        <a:lnSpc>
+          <a:spcPct val="90000"/>
+        </a:lnSpc>
         <a:spcBef>
-          <a:spcPct val="20000"/>
+          <a:spcPts val="375"/>
         </a:spcBef>
-        <a:buFont typeface="Arial"/>
+        <a:buFont typeface="Arial" panose="020B0604020202020204" pitchFamily="34" charset="0"/>
         <a:buChar char="•"/>
-        <a:defRPr sz="1667" kern="1200">
+        <a:defRPr sz="1350" kern="1200">
           <a:solidFill>
             <a:schemeClr val="tx1"/>
           </a:solidFill>
@@ -3026,13 +2848,16 @@
           <a:cs typeface="+mn-cs"/>
         </a:defRPr>
       </a:lvl7pPr>
-      <a:lvl8pPr marL="2857386" indent="-190492" algn="l" defTabSz="380985" rtl="0" eaLnBrk="1" latinLnBrk="0" hangingPunct="1">
+      <a:lvl8pPr marL="2571750" indent="-171450" algn="l" defTabSz="685800" rtl="0" eaLnBrk="1" latinLnBrk="0" hangingPunct="1">
+        <a:lnSpc>
+          <a:spcPct val="90000"/>
+        </a:lnSpc>
         <a:spcBef>
-          <a:spcPct val="20000"/>
+          <a:spcPts val="375"/>
         </a:spcBef>
-        <a:buFont typeface="Arial"/>
+        <a:buFont typeface="Arial" panose="020B0604020202020204" pitchFamily="34" charset="0"/>
         <a:buChar char="•"/>
-        <a:defRPr sz="1667" kern="1200">
+        <a:defRPr sz="1350" kern="1200">
           <a:solidFill>
             <a:schemeClr val="tx1"/>
           </a:solidFill>
@@ -3041,13 +2866,16 @@
           <a:cs typeface="+mn-cs"/>
         </a:defRPr>
       </a:lvl8pPr>
-      <a:lvl9pPr marL="3238370" indent="-190492" algn="l" defTabSz="380985" rtl="0" eaLnBrk="1" latinLnBrk="0" hangingPunct="1">
+      <a:lvl9pPr marL="2914650" indent="-171450" algn="l" defTabSz="685800" rtl="0" eaLnBrk="1" latinLnBrk="0" hangingPunct="1">
+        <a:lnSpc>
+          <a:spcPct val="90000"/>
+        </a:lnSpc>
         <a:spcBef>
-          <a:spcPct val="20000"/>
+          <a:spcPts val="375"/>
         </a:spcBef>
-        <a:buFont typeface="Arial"/>
+        <a:buFont typeface="Arial" panose="020B0604020202020204" pitchFamily="34" charset="0"/>
         <a:buChar char="•"/>
-        <a:defRPr sz="1667" kern="1200">
+        <a:defRPr sz="1350" kern="1200">
           <a:solidFill>
             <a:schemeClr val="tx1"/>
           </a:solidFill>
@@ -3059,10 +2887,10 @@
     </p:bodyStyle>
     <p:otherStyle>
       <a:defPPr>
-        <a:defRPr lang="en-US"/>
+        <a:defRPr lang="zh-CN"/>
       </a:defPPr>
-      <a:lvl1pPr marL="0" algn="l" defTabSz="380985" rtl="0" eaLnBrk="1" latinLnBrk="0" hangingPunct="1">
-        <a:defRPr sz="1500" kern="1200">
+      <a:lvl1pPr marL="0" algn="l" defTabSz="685800" rtl="0" eaLnBrk="1" latinLnBrk="0" hangingPunct="1">
+        <a:defRPr sz="1350" kern="1200">
           <a:solidFill>
             <a:schemeClr val="tx1"/>
           </a:solidFill>
@@ -3071,8 +2899,8 @@
           <a:cs typeface="+mn-cs"/>
         </a:defRPr>
       </a:lvl1pPr>
-      <a:lvl2pPr marL="380985" algn="l" defTabSz="380985" rtl="0" eaLnBrk="1" latinLnBrk="0" hangingPunct="1">
-        <a:defRPr sz="1500" kern="1200">
+      <a:lvl2pPr marL="342900" algn="l" defTabSz="685800" rtl="0" eaLnBrk="1" latinLnBrk="0" hangingPunct="1">
+        <a:defRPr sz="1350" kern="1200">
           <a:solidFill>
             <a:schemeClr val="tx1"/>
           </a:solidFill>
@@ -3081,8 +2909,8 @@
           <a:cs typeface="+mn-cs"/>
         </a:defRPr>
       </a:lvl2pPr>
-      <a:lvl3pPr marL="761970" algn="l" defTabSz="380985" rtl="0" eaLnBrk="1" latinLnBrk="0" hangingPunct="1">
-        <a:defRPr sz="1500" kern="1200">
+      <a:lvl3pPr marL="685800" algn="l" defTabSz="685800" rtl="0" eaLnBrk="1" latinLnBrk="0" hangingPunct="1">
+        <a:defRPr sz="1350" kern="1200">
           <a:solidFill>
             <a:schemeClr val="tx1"/>
           </a:solidFill>
@@ -3091,8 +2919,8 @@
           <a:cs typeface="+mn-cs"/>
         </a:defRPr>
       </a:lvl3pPr>
-      <a:lvl4pPr marL="1142954" algn="l" defTabSz="380985" rtl="0" eaLnBrk="1" latinLnBrk="0" hangingPunct="1">
-        <a:defRPr sz="1500" kern="1200">
+      <a:lvl4pPr marL="1028700" algn="l" defTabSz="685800" rtl="0" eaLnBrk="1" latinLnBrk="0" hangingPunct="1">
+        <a:defRPr sz="1350" kern="1200">
           <a:solidFill>
             <a:schemeClr val="tx1"/>
           </a:solidFill>
@@ -3101,8 +2929,8 @@
           <a:cs typeface="+mn-cs"/>
         </a:defRPr>
       </a:lvl4pPr>
-      <a:lvl5pPr marL="1523939" algn="l" defTabSz="380985" rtl="0" eaLnBrk="1" latinLnBrk="0" hangingPunct="1">
-        <a:defRPr sz="1500" kern="1200">
+      <a:lvl5pPr marL="1371600" algn="l" defTabSz="685800" rtl="0" eaLnBrk="1" latinLnBrk="0" hangingPunct="1">
+        <a:defRPr sz="1350" kern="1200">
           <a:solidFill>
             <a:schemeClr val="tx1"/>
           </a:solidFill>
@@ -3111,8 +2939,8 @@
           <a:cs typeface="+mn-cs"/>
         </a:defRPr>
       </a:lvl5pPr>
-      <a:lvl6pPr marL="1904924" algn="l" defTabSz="380985" rtl="0" eaLnBrk="1" latinLnBrk="0" hangingPunct="1">
-        <a:defRPr sz="1500" kern="1200">
+      <a:lvl6pPr marL="1714500" algn="l" defTabSz="685800" rtl="0" eaLnBrk="1" latinLnBrk="0" hangingPunct="1">
+        <a:defRPr sz="1350" kern="1200">
           <a:solidFill>
             <a:schemeClr val="tx1"/>
           </a:solidFill>
@@ -3121,8 +2949,8 @@
           <a:cs typeface="+mn-cs"/>
         </a:defRPr>
       </a:lvl6pPr>
-      <a:lvl7pPr marL="2285909" algn="l" defTabSz="380985" rtl="0" eaLnBrk="1" latinLnBrk="0" hangingPunct="1">
-        <a:defRPr sz="1500" kern="1200">
+      <a:lvl7pPr marL="2057400" algn="l" defTabSz="685800" rtl="0" eaLnBrk="1" latinLnBrk="0" hangingPunct="1">
+        <a:defRPr sz="1350" kern="1200">
           <a:solidFill>
             <a:schemeClr val="tx1"/>
           </a:solidFill>
@@ -3131,8 +2959,8 @@
           <a:cs typeface="+mn-cs"/>
         </a:defRPr>
       </a:lvl7pPr>
-      <a:lvl8pPr marL="2666893" algn="l" defTabSz="380985" rtl="0" eaLnBrk="1" latinLnBrk="0" hangingPunct="1">
-        <a:defRPr sz="1500" kern="1200">
+      <a:lvl8pPr marL="2400300" algn="l" defTabSz="685800" rtl="0" eaLnBrk="1" latinLnBrk="0" hangingPunct="1">
+        <a:defRPr sz="1350" kern="1200">
           <a:solidFill>
             <a:schemeClr val="tx1"/>
           </a:solidFill>
@@ -3141,8 +2969,8 @@
           <a:cs typeface="+mn-cs"/>
         </a:defRPr>
       </a:lvl8pPr>
-      <a:lvl9pPr marL="3047878" algn="l" defTabSz="380985" rtl="0" eaLnBrk="1" latinLnBrk="0" hangingPunct="1">
-        <a:defRPr sz="1500" kern="1200">
+      <a:lvl9pPr marL="2743200" algn="l" defTabSz="685800" rtl="0" eaLnBrk="1" latinLnBrk="0" hangingPunct="1">
+        <a:defRPr sz="1350" kern="1200">
           <a:solidFill>
             <a:schemeClr val="tx1"/>
           </a:solidFill>
@@ -3183,12 +3011,7 @@
             <p:ph type="ctrTitle"/>
           </p:nvPr>
         </p:nvSpPr>
-        <p:spPr>
-          <a:xfrm>
-            <a:off x="685800" y="1775355"/>
-            <a:ext cx="7772400" cy="1225021"/>
-          </a:xfrm>
-        </p:spPr>
+        <p:spPr/>
         <p:txBody>
           <a:bodyPr/>
           <a:lstStyle/>
@@ -3213,12 +3036,7 @@
             <p:ph type="subTitle" idx="1"/>
           </p:nvPr>
         </p:nvSpPr>
-        <p:spPr>
-          <a:xfrm>
-            <a:off x="1371600" y="3238500"/>
-            <a:ext cx="6400800" cy="1460500"/>
-          </a:xfrm>
-        </p:spPr>
+        <p:spPr/>
         <p:txBody>
           <a:bodyPr/>
           <a:lstStyle/>
@@ -3309,8 +3127,8 @@
           </p:nvPr>
         </p:nvGraphicFramePr>
         <p:xfrm>
-          <a:off x="457200" y="1333500"/>
-          <a:ext cx="8229600" cy="3759200"/>
+          <a:off x="628650" y="1520825"/>
+          <a:ext cx="7886700" cy="3627438"/>
         </p:xfrm>
         <a:graphic>
           <a:graphicData uri="http://schemas.openxmlformats.org/drawingml/2006/table">
@@ -3319,9 +3137,9 @@
                 <a:tableStyleId>{5C22544A-7EE6-4342-B048-85BDC9FD1C3A}</a:tableStyleId>
               </a:tblPr>
               <a:tblGrid>
-                <a:gridCol w="2743200"/>
-                <a:gridCol w="2743200"/>
-                <a:gridCol w="2743200"/>
+                <a:gridCol w="2628900"/>
+                <a:gridCol w="2628900"/>
+                <a:gridCol w="2628900"/>
               </a:tblGrid>
               <a:tr h="0">
                 <a:tc>
@@ -3338,7 +3156,7 @@
                       </a:r>
                     </a:p>
                   </a:txBody>
-                  <a:tcPr/>
+                  <a:tcPr marL="87630" marR="87630"/>
                 </a:tc>
                 <a:tc>
                   <a:txBody>
@@ -3354,7 +3172,7 @@
                       </a:r>
                     </a:p>
                   </a:txBody>
-                  <a:tcPr/>
+                  <a:tcPr marL="87630" marR="87630"/>
                 </a:tc>
                 <a:tc>
                   <a:txBody>
@@ -3370,7 +3188,7 @@
                       </a:r>
                     </a:p>
                   </a:txBody>
-                  <a:tcPr/>
+                  <a:tcPr marL="87630" marR="87630"/>
                 </a:tc>
               </a:tr>
               <a:tr h="0">
@@ -3388,7 +3206,7 @@
                       </a:r>
                     </a:p>
                   </a:txBody>
-                  <a:tcPr/>
+                  <a:tcPr marL="87630" marR="87630"/>
                 </a:tc>
                 <a:tc>
                   <a:txBody>
@@ -3404,7 +3222,7 @@
                       </a:r>
                     </a:p>
                   </a:txBody>
-                  <a:tcPr/>
+                  <a:tcPr marL="87630" marR="87630"/>
                 </a:tc>
                 <a:tc>
                   <a:txBody>
@@ -3420,7 +3238,7 @@
                       </a:r>
                     </a:p>
                   </a:txBody>
-                  <a:tcPr/>
+                  <a:tcPr marL="87630" marR="87630"/>
                 </a:tc>
               </a:tr>
               <a:tr h="0">
@@ -3438,7 +3256,7 @@
                       </a:r>
                     </a:p>
                   </a:txBody>
-                  <a:tcPr/>
+                  <a:tcPr marL="87630" marR="87630"/>
                 </a:tc>
                 <a:tc>
                   <a:txBody>
@@ -3454,7 +3272,7 @@
                       </a:r>
                     </a:p>
                   </a:txBody>
-                  <a:tcPr/>
+                  <a:tcPr marL="87630" marR="87630"/>
                 </a:tc>
                 <a:tc>
                   <a:txBody>
@@ -3470,7 +3288,7 @@
                       </a:r>
                     </a:p>
                   </a:txBody>
-                  <a:tcPr/>
+                  <a:tcPr marL="87630" marR="87630"/>
                 </a:tc>
               </a:tr>
             </a:tbl>
@@ -3527,69 +3345,106 @@
           </a:p>
         </p:txBody>
       </p:sp>
-      <p:sp>
-        <p:nvSpPr>
-          <p:cNvPr id="3" name="Content Placeholder 2"/>
-          <p:cNvSpPr>
-            <a:spLocks noGrp="1"/>
-          </p:cNvSpPr>
-          <p:nvPr>
-            <p:ph idx="1"/>
-          </p:nvPr>
-        </p:nvSpPr>
-        <p:spPr/>
-        <p:txBody>
-          <a:bodyPr/>
-          <a:lstStyle/>
-          <a:p>
-            <a:pPr marL="0" lvl="0" indent="0">
-              <a:buNone/>
-            </a:pPr>
-            <a:r>
-              <a:rPr/>
-              <a:t>行内公式 </a:t>
-            </a:r>
-            <a14:m xmlns:a14="http://schemas.microsoft.com/office/drawing/2010/main">
-              <m:oMath xmlns:m="http://schemas.openxmlformats.org/officeDocument/2006/math">
-                <m:r>
-                  <a:rPr>
-                    <a:latin typeface="Cambria Math" panose="02040503050406030204" pitchFamily="18" charset="0"/>
-                  </a:rPr>
-                  <m:t>𝛼</m:t>
-                </m:r>
-                <m:r>
-                  <a:rPr>
-                    <a:latin typeface="Cambria Math" panose="02040503050406030204" pitchFamily="18" charset="0"/>
-                  </a:rPr>
-                  <m:t>+</m:t>
-                </m:r>
-                <m:acc>
-                  <m:accPr>
-                    <m:chr m:val="̂"/>
-                    <m:ctrlPr>
-                      <a:rPr i="1">
-                        <a:latin typeface="Cambria Math" panose="02040503050406030204" pitchFamily="18" charset="0"/>
-                      </a:rPr>
-                    </m:ctrlPr>
-                  </m:accPr>
-                  <m:e>
+      <mc:AlternateContent xmlns:mc="http://schemas.openxmlformats.org/markup-compatibility/2006" xmlns:a14="http://schemas.microsoft.com/office/drawing/2010/main">
+        <mc:Choice Requires="a14">
+          <p:sp>
+            <p:nvSpPr>
+              <p:cNvPr id="3" name="Content Placeholder 2"/>
+              <p:cNvSpPr>
+                <a:spLocks noGrp="1"/>
+              </p:cNvSpPr>
+              <p:nvPr>
+                <p:ph idx="1"/>
+              </p:nvPr>
+            </p:nvSpPr>
+            <p:spPr/>
+            <p:txBody>
+              <a:bodyPr/>
+              <a:lstStyle/>
+              <a:p>
+                <a:pPr marL="0" lvl="0" indent="0">
+                  <a:buNone/>
+                </a:pPr>
+                <a:r>
+                  <a:rPr/>
+                  <a:t>行内公式 </a:t>
+                </a:r>
+                <a14:m>
+                  <m:oMath xmlns:m="http://schemas.openxmlformats.org/officeDocument/2006/math">
                     <m:r>
                       <a:rPr>
                         <a:latin typeface="Cambria Math" panose="02040503050406030204" pitchFamily="18" charset="0"/>
                       </a:rPr>
-                      <m:t>𝛽</m:t>
+                      <m:t>𝛼</m:t>
                     </m:r>
-                  </m:e>
-                </m:acc>
-              </m:oMath>
-            </a14:m>
-            <a:r>
-              <a:rPr/>
-              <a:t> 。</a:t>
-            </a:r>
-          </a:p>
-        </p:txBody>
-      </p:sp>
+                    <m:r>
+                      <a:rPr>
+                        <a:latin typeface="Cambria Math" panose="02040503050406030204" pitchFamily="18" charset="0"/>
+                      </a:rPr>
+                      <m:t>+</m:t>
+                    </m:r>
+                    <m:acc>
+                      <m:accPr>
+                        <m:chr m:val="̂"/>
+                        <m:ctrlPr>
+                          <a:rPr i="1">
+                            <a:latin typeface="Cambria Math" panose="02040503050406030204" pitchFamily="18" charset="0"/>
+                          </a:rPr>
+                        </m:ctrlPr>
+                      </m:accPr>
+                      <m:e>
+                        <m:r>
+                          <a:rPr>
+                            <a:latin typeface="Cambria Math" panose="02040503050406030204" pitchFamily="18" charset="0"/>
+                          </a:rPr>
+                          <m:t>𝛽</m:t>
+                        </m:r>
+                      </m:e>
+                    </m:acc>
+                  </m:oMath>
+                </a14:m>
+                <a:r>
+                  <a:rPr/>
+                  <a:t> 。</a:t>
+                </a:r>
+              </a:p>
+            </p:txBody>
+          </p:sp>
+        </mc:Choice>
+        <mc:Fallback xmlns="">
+          <p:sp>
+            <p:nvSpPr>
+              <p:cNvPr id="3" name="Content Placeholder 2"/>
+              <p:cNvSpPr>
+                <a:spLocks noGrp="1" noRot="1" noChangeAspect="1" noMove="1" noResize="1" noEditPoints="1" noAdjustHandles="1" noChangeArrowheads="1" noChangeShapeType="1" noTextEdit="1"/>
+              </p:cNvSpPr>
+              <p:nvPr>
+                <p:ph idx="1"/>
+              </p:nvPr>
+            </p:nvSpPr>
+            <p:spPr>
+              <a:blipFill rotWithShape="0">
+                <a:blip r:embed="rId2"/>
+                <a:stretch>
+                  <a:fillRect l="-927" t="-1852"/>
+                </a:stretch>
+              </a:blipFill>
+            </p:spPr>
+            <p:txBody>
+              <a:bodyPr/>
+              <a:lstStyle/>
+              <a:p>
+                <a:r>
+                  <a:rPr lang="zh-CN" altLang="en-US">
+                    <a:noFill/>
+                  </a:rPr>
+                  <a:t> </a:t>
+                </a:r>
+              </a:p>
+            </p:txBody>
+          </p:sp>
+        </mc:Fallback>
+      </mc:AlternateContent>
     </p:spTree>
   </p:cSld>
   <p:clrMapOvr>
@@ -3615,104 +3470,50 @@
           <a:chExt cx="0" cy="0"/>
         </a:xfrm>
       </p:grpSpPr>
-      <p:sp>
-        <p:nvSpPr>
-          <p:cNvPr id="3" name="Content Placeholder 2"/>
-          <p:cNvSpPr>
-            <a:spLocks noGrp="1"/>
-          </p:cNvSpPr>
-          <p:nvPr>
-            <p:ph idx="1"/>
-          </p:nvPr>
-        </p:nvSpPr>
-        <p:spPr/>
-        <p:txBody>
-          <a:bodyPr/>
-          <a:lstStyle/>
-          <a:p>
-            <a:pPr marL="0" lvl="0" indent="0">
-              <a:buNone/>
-            </a:pPr>
-            <a:r>
-              <a:rPr/>
-              <a:t>行间公式</a:t>
-            </a:r>
-          </a:p>
-          <a:p>
-            <a:pPr marL="0" lvl="0" indent="0">
-              <a:buNone/>
-            </a:pPr>
-            <a14:m xmlns:a14="http://schemas.microsoft.com/office/drawing/2010/main">
-              <m:oMathPara xmlns:m="http://schemas.openxmlformats.org/officeDocument/2006/math">
-                <m:oMathParaPr>
-                  <m:jc m:val="center"/>
-                </m:oMathParaPr>
-                <m:oMath xmlns:m="http://schemas.openxmlformats.org/officeDocument/2006/math">
-                  <m:acc>
-                    <m:accPr>
-                      <m:chr m:val="‾"/>
-                      <m:ctrlPr>
-                        <a:rPr>
-                          <a:latin typeface="Cambria Math" panose="02040503050406030204" pitchFamily="18" charset="0"/>
-                        </a:rPr>
-                      </m:ctrlPr>
-                    </m:accPr>
-                    <m:e>
-                      <m:r>
-                        <a:rPr>
-                          <a:latin typeface="Cambria Math" panose="02040503050406030204" pitchFamily="18" charset="0"/>
-                        </a:rPr>
-                        <m:t>𝑥</m:t>
-                      </m:r>
-                    </m:e>
-                  </m:acc>
-                  <m:r>
-                    <a:rPr>
-                      <a:latin typeface="Cambria Math" panose="02040503050406030204" pitchFamily="18" charset="0"/>
-                    </a:rPr>
-                    <m:t>=</m:t>
-                  </m:r>
-                  <m:nary>
-                    <m:naryPr>
-                      <m:chr m:val="∑"/>
-                      <m:limLoc m:val="undOvr"/>
-                      <m:ctrlPr>
-                        <a:rPr i="1">
-                          <a:latin typeface="Cambria Math" panose="02040503050406030204" pitchFamily="18" charset="0"/>
-                        </a:rPr>
-                      </m:ctrlPr>
-                    </m:naryPr>
-                    <m:sub>
-                      <m:r>
-                        <a:rPr>
-                          <a:latin typeface="Cambria Math" panose="02040503050406030204" pitchFamily="18" charset="0"/>
-                        </a:rPr>
-                        <m:t>𝑖</m:t>
-                      </m:r>
-                      <m:r>
-                        <a:rPr>
-                          <a:latin typeface="Cambria Math" panose="02040503050406030204" pitchFamily="18" charset="0"/>
-                        </a:rPr>
-                        <m:t>=1</m:t>
-                      </m:r>
-                    </m:sub>
-                    <m:sup>
-                      <m:r>
-                        <a:rPr>
-                          <a:latin typeface="Cambria Math" panose="02040503050406030204" pitchFamily="18" charset="0"/>
-                        </a:rPr>
-                        <m:t>𝑛</m:t>
-                      </m:r>
-                    </m:sup>
-                    <m:e>
-                      <m:sSub>
-                        <m:sSubPr>
+      <mc:AlternateContent xmlns:mc="http://schemas.openxmlformats.org/markup-compatibility/2006" xmlns:a14="http://schemas.microsoft.com/office/drawing/2010/main">
+        <mc:Choice Requires="a14">
+          <p:sp>
+            <p:nvSpPr>
+              <p:cNvPr id="3" name="Content Placeholder 2"/>
+              <p:cNvSpPr>
+                <a:spLocks noGrp="1"/>
+              </p:cNvSpPr>
+              <p:nvPr>
+                <p:ph idx="1"/>
+              </p:nvPr>
+            </p:nvSpPr>
+            <p:spPr/>
+            <p:txBody>
+              <a:bodyPr/>
+              <a:lstStyle/>
+              <a:p>
+                <a:pPr marL="0" lvl="0" indent="0">
+                  <a:buNone/>
+                </a:pPr>
+                <a:r>
+                  <a:rPr/>
+                  <a:t>行间公式</a:t>
+                </a:r>
+              </a:p>
+              <a:p>
+                <a:pPr marL="0" lvl="0" indent="0">
+                  <a:buNone/>
+                </a:pPr>
+                <a14:m>
+                  <m:oMathPara xmlns:m="http://schemas.openxmlformats.org/officeDocument/2006/math">
+                    <m:oMathParaPr>
+                      <m:jc m:val="center"/>
+                    </m:oMathParaPr>
+                    <m:oMath xmlns:m="http://schemas.openxmlformats.org/officeDocument/2006/math">
+                      <m:acc>
+                        <m:accPr>
+                          <m:chr m:val="‾"/>
                           <m:ctrlPr>
                             <a:rPr i="1">
                               <a:latin typeface="Cambria Math" panose="02040503050406030204" pitchFamily="18" charset="0"/>
                             </a:rPr>
                           </m:ctrlPr>
-                        </m:sSubPr>
+                        </m:accPr>
                         <m:e>
                           <m:r>
                             <a:rPr>
@@ -3721,6 +3522,23 @@
                             <m:t>𝑥</m:t>
                           </m:r>
                         </m:e>
+                      </m:acc>
+                      <m:r>
+                        <a:rPr>
+                          <a:latin typeface="Cambria Math" panose="02040503050406030204" pitchFamily="18" charset="0"/>
+                        </a:rPr>
+                        <m:t>=</m:t>
+                      </m:r>
+                      <m:nary>
+                        <m:naryPr>
+                          <m:chr m:val="∑"/>
+                          <m:limLoc m:val="undOvr"/>
+                          <m:ctrlPr>
+                            <a:rPr i="1">
+                              <a:latin typeface="Cambria Math" panose="02040503050406030204" pitchFamily="18" charset="0"/>
+                            </a:rPr>
+                          </m:ctrlPr>
+                        </m:naryPr>
                         <m:sub>
                           <m:r>
                             <a:rPr>
@@ -3728,80 +3546,154 @@
                             </a:rPr>
                             <m:t>𝑖</m:t>
                           </m:r>
+                          <m:r>
+                            <a:rPr>
+                              <a:latin typeface="Cambria Math" panose="02040503050406030204" pitchFamily="18" charset="0"/>
+                            </a:rPr>
+                            <m:t>=1</m:t>
+                          </m:r>
                         </m:sub>
-                      </m:sSub>
-                    </m:e>
-                  </m:nary>
-                  <m:r>
-                    <a:rPr>
-                      <a:latin typeface="Cambria Math" panose="02040503050406030204" pitchFamily="18" charset="0"/>
-                    </a:rPr>
-                    <m:t>+</m:t>
-                  </m:r>
-                  <m:acc>
-                    <m:accPr>
-                      <m:chr m:val="‾"/>
-                      <m:ctrlPr>
-                        <a:rPr i="1">
-                          <a:latin typeface="Cambria Math" panose="02040503050406030204" pitchFamily="18" charset="0"/>
-                        </a:rPr>
-                      </m:ctrlPr>
-                    </m:accPr>
-                    <m:e>
+                        <m:sup>
+                          <m:r>
+                            <a:rPr>
+                              <a:latin typeface="Cambria Math" panose="02040503050406030204" pitchFamily="18" charset="0"/>
+                            </a:rPr>
+                            <m:t>𝑛</m:t>
+                          </m:r>
+                        </m:sup>
+                        <m:e>
+                          <m:sSub>
+                            <m:sSubPr>
+                              <m:ctrlPr>
+                                <a:rPr i="1">
+                                  <a:latin typeface="Cambria Math" panose="02040503050406030204" pitchFamily="18" charset="0"/>
+                                </a:rPr>
+                              </m:ctrlPr>
+                            </m:sSubPr>
+                            <m:e>
+                              <m:r>
+                                <a:rPr>
+                                  <a:latin typeface="Cambria Math" panose="02040503050406030204" pitchFamily="18" charset="0"/>
+                                </a:rPr>
+                                <m:t>𝑥</m:t>
+                              </m:r>
+                            </m:e>
+                            <m:sub>
+                              <m:r>
+                                <a:rPr>
+                                  <a:latin typeface="Cambria Math" panose="02040503050406030204" pitchFamily="18" charset="0"/>
+                                </a:rPr>
+                                <m:t>𝑖</m:t>
+                              </m:r>
+                            </m:sub>
+                          </m:sSub>
+                        </m:e>
+                      </m:nary>
                       <m:r>
                         <a:rPr>
                           <a:latin typeface="Cambria Math" panose="02040503050406030204" pitchFamily="18" charset="0"/>
                         </a:rPr>
-                        <m:t>𝑦</m:t>
+                        <m:t>+</m:t>
                       </m:r>
-                    </m:e>
-                  </m:acc>
-                </m:oMath>
-              </m:oMathPara>
-            </a14:m>
-            <a:endParaRPr/>
-          </a:p>
-          <a:p>
-            <a:pPr marL="0" lvl="0" indent="0">
-              <a:buNone/>
-            </a:pPr>
-            <a14:m xmlns:a14="http://schemas.microsoft.com/office/drawing/2010/main">
-              <m:oMathPara xmlns:m="http://schemas.openxmlformats.org/officeDocument/2006/math">
-                <m:oMathParaPr>
-                  <m:jc m:val="center"/>
-                </m:oMathParaPr>
-                <m:oMath xmlns:m="http://schemas.openxmlformats.org/officeDocument/2006/math">
-                  <m:r>
-                    <a:rPr>
-                      <a:latin typeface="Cambria Math" panose="02040503050406030204" pitchFamily="18" charset="0"/>
-                    </a:rPr>
-                    <m:t>𝑋</m:t>
-                  </m:r>
-                  <m:r>
-                    <a:rPr>
-                      <a:latin typeface="Cambria Math" panose="02040503050406030204" pitchFamily="18" charset="0"/>
-                    </a:rPr>
-                    <m:t>∼</m:t>
-                  </m:r>
-                  <m:r>
-                    <a:rPr>
-                      <a:latin typeface="Cambria Math" panose="02040503050406030204" pitchFamily="18" charset="0"/>
-                    </a:rPr>
-                    <m:t>𝑁</m:t>
-                  </m:r>
-                  <m:r>
-                    <a:rPr>
-                      <a:latin typeface="Cambria Math" panose="02040503050406030204" pitchFamily="18" charset="0"/>
-                    </a:rPr>
-                    <m:t>(0,1)</m:t>
-                  </m:r>
-                </m:oMath>
-              </m:oMathPara>
-            </a14:m>
-            <a:endParaRPr/>
-          </a:p>
-        </p:txBody>
-      </p:sp>
+                      <m:acc>
+                        <m:accPr>
+                          <m:chr m:val="‾"/>
+                          <m:ctrlPr>
+                            <a:rPr i="1">
+                              <a:latin typeface="Cambria Math" panose="02040503050406030204" pitchFamily="18" charset="0"/>
+                            </a:rPr>
+                          </m:ctrlPr>
+                        </m:accPr>
+                        <m:e>
+                          <m:r>
+                            <a:rPr>
+                              <a:latin typeface="Cambria Math" panose="02040503050406030204" pitchFamily="18" charset="0"/>
+                            </a:rPr>
+                            <m:t>𝑦</m:t>
+                          </m:r>
+                        </m:e>
+                      </m:acc>
+                    </m:oMath>
+                  </m:oMathPara>
+                </a14:m>
+                <a:endParaRPr/>
+              </a:p>
+              <a:p>
+                <a:pPr marL="0" lvl="0" indent="0">
+                  <a:buNone/>
+                </a:pPr>
+                <a14:m>
+                  <m:oMathPara xmlns:m="http://schemas.openxmlformats.org/officeDocument/2006/math">
+                    <m:oMathParaPr>
+                      <m:jc m:val="center"/>
+                    </m:oMathParaPr>
+                    <m:oMath xmlns:m="http://schemas.openxmlformats.org/officeDocument/2006/math">
+                      <m:r>
+                        <a:rPr>
+                          <a:latin typeface="Cambria Math" panose="02040503050406030204" pitchFamily="18" charset="0"/>
+                        </a:rPr>
+                        <m:t>𝑋</m:t>
+                      </m:r>
+                      <m:r>
+                        <a:rPr>
+                          <a:latin typeface="Cambria Math" panose="02040503050406030204" pitchFamily="18" charset="0"/>
+                        </a:rPr>
+                        <m:t>∼</m:t>
+                      </m:r>
+                      <m:r>
+                        <a:rPr>
+                          <a:latin typeface="Cambria Math" panose="02040503050406030204" pitchFamily="18" charset="0"/>
+                        </a:rPr>
+                        <m:t>𝑁</m:t>
+                      </m:r>
+                      <m:r>
+                        <a:rPr>
+                          <a:latin typeface="Cambria Math" panose="02040503050406030204" pitchFamily="18" charset="0"/>
+                        </a:rPr>
+                        <m:t>(0,1)</m:t>
+                      </m:r>
+                    </m:oMath>
+                  </m:oMathPara>
+                </a14:m>
+                <a:endParaRPr/>
+              </a:p>
+            </p:txBody>
+          </p:sp>
+        </mc:Choice>
+        <mc:Fallback xmlns="">
+          <p:sp>
+            <p:nvSpPr>
+              <p:cNvPr id="3" name="Content Placeholder 2"/>
+              <p:cNvSpPr>
+                <a:spLocks noGrp="1" noRot="1" noChangeAspect="1" noMove="1" noResize="1" noEditPoints="1" noAdjustHandles="1" noChangeArrowheads="1" noChangeShapeType="1" noTextEdit="1"/>
+              </p:cNvSpPr>
+              <p:nvPr>
+                <p:ph idx="1"/>
+              </p:nvPr>
+            </p:nvSpPr>
+            <p:spPr>
+              <a:blipFill rotWithShape="0">
+                <a:blip r:embed="rId2"/>
+                <a:stretch>
+                  <a:fillRect l="-927" t="-2189"/>
+                </a:stretch>
+              </a:blipFill>
+            </p:spPr>
+            <p:txBody>
+              <a:bodyPr/>
+              <a:lstStyle/>
+              <a:p>
+                <a:r>
+                  <a:rPr lang="zh-CN" altLang="en-US">
+                    <a:noFill/>
+                  </a:rPr>
+                  <a:t> </a:t>
+                </a:r>
+              </a:p>
+            </p:txBody>
+          </p:sp>
+        </mc:Fallback>
+      </mc:AlternateContent>
     </p:spTree>
   </p:cSld>
   <p:clrMapOvr>
@@ -4598,8 +4490,8 @@
           </p:nvPr>
         </p:nvGraphicFramePr>
         <p:xfrm>
-          <a:off x="457200" y="1333500"/>
-          <a:ext cx="8229600" cy="2240280"/>
+          <a:off x="628650" y="1520825"/>
+          <a:ext cx="7886700" cy="3627438"/>
         </p:xfrm>
         <a:graphic>
           <a:graphicData uri="http://schemas.openxmlformats.org/drawingml/2006/table">
@@ -4608,9 +4500,9 @@
                 <a:tableStyleId>{5C22544A-7EE6-4342-B048-85BDC9FD1C3A}</a:tableStyleId>
               </a:tblPr>
               <a:tblGrid>
-                <a:gridCol w="2743200"/>
-                <a:gridCol w="2743200"/>
-                <a:gridCol w="2743200"/>
+                <a:gridCol w="2628900"/>
+                <a:gridCol w="2628900"/>
+                <a:gridCol w="2628900"/>
               </a:tblGrid>
               <a:tr h="0">
                 <a:tc>
@@ -4627,7 +4519,7 @@
                       </a:r>
                     </a:p>
                   </a:txBody>
-                  <a:tcPr/>
+                  <a:tcPr marL="87630" marR="87630"/>
                 </a:tc>
                 <a:tc>
                   <a:txBody>
@@ -4643,7 +4535,7 @@
                       </a:r>
                     </a:p>
                   </a:txBody>
-                  <a:tcPr/>
+                  <a:tcPr marL="87630" marR="87630"/>
                 </a:tc>
                 <a:tc>
                   <a:txBody>
@@ -4659,7 +4551,7 @@
                       </a:r>
                     </a:p>
                   </a:txBody>
-                  <a:tcPr/>
+                  <a:tcPr marL="87630" marR="87630"/>
                 </a:tc>
               </a:tr>
               <a:tr h="0">
@@ -4677,7 +4569,7 @@
                       </a:r>
                     </a:p>
                   </a:txBody>
-                  <a:tcPr/>
+                  <a:tcPr marL="87630" marR="87630"/>
                 </a:tc>
                 <a:tc>
                   <a:txBody>
@@ -4693,7 +4585,7 @@
                       </a:r>
                     </a:p>
                   </a:txBody>
-                  <a:tcPr/>
+                  <a:tcPr marL="87630" marR="87630"/>
                 </a:tc>
                 <a:tc>
                   <a:txBody>
@@ -4709,7 +4601,7 @@
                       </a:r>
                     </a:p>
                   </a:txBody>
-                  <a:tcPr/>
+                  <a:tcPr marL="87630" marR="87630"/>
                 </a:tc>
               </a:tr>
               <a:tr h="0">
@@ -4727,7 +4619,7 @@
                       </a:r>
                     </a:p>
                   </a:txBody>
-                  <a:tcPr/>
+                  <a:tcPr marL="87630" marR="87630"/>
                 </a:tc>
                 <a:tc>
                   <a:txBody>
@@ -4743,7 +4635,7 @@
                       </a:r>
                     </a:p>
                   </a:txBody>
-                  <a:tcPr/>
+                  <a:tcPr marL="87630" marR="87630"/>
                 </a:tc>
                 <a:tc>
                   <a:txBody>
@@ -4759,7 +4651,7 @@
                       </a:r>
                     </a:p>
                   </a:txBody>
-                  <a:tcPr/>
+                  <a:tcPr marL="87630" marR="87630"/>
                 </a:tc>
               </a:tr>
               <a:tr h="0">
@@ -4777,7 +4669,7 @@
                       </a:r>
                     </a:p>
                   </a:txBody>
-                  <a:tcPr/>
+                  <a:tcPr marL="87630" marR="87630"/>
                 </a:tc>
                 <a:tc>
                   <a:txBody>
@@ -4793,7 +4685,7 @@
                       </a:r>
                     </a:p>
                   </a:txBody>
-                  <a:tcPr/>
+                  <a:tcPr marL="87630" marR="87630"/>
                 </a:tc>
                 <a:tc>
                   <a:txBody>
@@ -4809,7 +4701,7 @@
                       </a:r>
                     </a:p>
                   </a:txBody>
-                  <a:tcPr/>
+                  <a:tcPr marL="87630" marR="87630"/>
                 </a:tc>
               </a:tr>
               <a:tr h="0">
@@ -4827,7 +4719,7 @@
                       </a:r>
                     </a:p>
                   </a:txBody>
-                  <a:tcPr/>
+                  <a:tcPr marL="87630" marR="87630"/>
                 </a:tc>
                 <a:tc>
                   <a:txBody>
@@ -4843,7 +4735,7 @@
                       </a:r>
                     </a:p>
                   </a:txBody>
-                  <a:tcPr/>
+                  <a:tcPr marL="87630" marR="87630"/>
                 </a:tc>
                 <a:tc>
                   <a:txBody>
@@ -4859,7 +4751,7 @@
                       </a:r>
                     </a:p>
                   </a:txBody>
-                  <a:tcPr/>
+                  <a:tcPr marL="87630" marR="87630"/>
                 </a:tc>
               </a:tr>
               <a:tr h="0">
@@ -4877,7 +4769,7 @@
                       </a:r>
                     </a:p>
                   </a:txBody>
-                  <a:tcPr/>
+                  <a:tcPr marL="87630" marR="87630"/>
                 </a:tc>
                 <a:tc>
                   <a:txBody>
@@ -4893,7 +4785,7 @@
                       </a:r>
                     </a:p>
                   </a:txBody>
-                  <a:tcPr/>
+                  <a:tcPr marL="87630" marR="87630"/>
                 </a:tc>
                 <a:tc>
                   <a:txBody>
@@ -4909,7 +4801,7 @@
                       </a:r>
                     </a:p>
                   </a:txBody>
-                  <a:tcPr/>
+                  <a:tcPr marL="87630" marR="87630"/>
                 </a:tc>
               </a:tr>
               <a:tr h="0">
@@ -4927,7 +4819,7 @@
                       </a:r>
                     </a:p>
                   </a:txBody>
-                  <a:tcPr/>
+                  <a:tcPr marL="87630" marR="87630"/>
                 </a:tc>
                 <a:tc>
                   <a:txBody>
@@ -4943,7 +4835,7 @@
                       </a:r>
                     </a:p>
                   </a:txBody>
-                  <a:tcPr/>
+                  <a:tcPr marL="87630" marR="87630"/>
                 </a:tc>
                 <a:tc>
                   <a:txBody>
@@ -4959,7 +4851,7 @@
                       </a:r>
                     </a:p>
                   </a:txBody>
-                  <a:tcPr/>
+                  <a:tcPr marL="87630" marR="87630"/>
                 </a:tc>
               </a:tr>
             </a:tbl>
@@ -5201,7 +5093,7 @@
 </file>
 
 <file path=ppt/theme/theme1.xml><?xml version="1.0" encoding="utf-8"?>
-<a:theme xmlns:a="http://schemas.openxmlformats.org/drawingml/2006/main" name="Office Theme">
+<a:theme xmlns:a="http://schemas.openxmlformats.org/drawingml/2006/main" name="Office 主题">
   <a:themeElements>
     <a:clrScheme name="Office">
       <a:dk1>
@@ -5211,39 +5103,39 @@
         <a:sysClr val="window" lastClr="FFFFFF"/>
       </a:lt1>
       <a:dk2>
-        <a:srgbClr val="1F497D"/>
+        <a:srgbClr val="44546A"/>
       </a:dk2>
       <a:lt2>
-        <a:srgbClr val="EEECE1"/>
+        <a:srgbClr val="E7E6E6"/>
       </a:lt2>
       <a:accent1>
-        <a:srgbClr val="4F81BD"/>
+        <a:srgbClr val="5B9BD5"/>
       </a:accent1>
       <a:accent2>
-        <a:srgbClr val="C0504D"/>
+        <a:srgbClr val="ED7D31"/>
       </a:accent2>
       <a:accent3>
-        <a:srgbClr val="9BBB59"/>
+        <a:srgbClr val="A5A5A5"/>
       </a:accent3>
       <a:accent4>
-        <a:srgbClr val="8064A2"/>
+        <a:srgbClr val="FFC000"/>
       </a:accent4>
       <a:accent5>
-        <a:srgbClr val="4BACC6"/>
+        <a:srgbClr val="4472C4"/>
       </a:accent5>
       <a:accent6>
-        <a:srgbClr val="F79646"/>
+        <a:srgbClr val="70AD47"/>
       </a:accent6>
       <a:hlink>
-        <a:srgbClr val="0000FF"/>
+        <a:srgbClr val="0563C1"/>
       </a:hlink>
       <a:folHlink>
-        <a:srgbClr val="800080"/>
+        <a:srgbClr val="954F72"/>
       </a:folHlink>
     </a:clrScheme>
     <a:fontScheme name="Office">
       <a:majorFont>
-        <a:latin typeface="Calibri"/>
+        <a:latin typeface="Calibri Light" panose="020F0302020204030204"/>
         <a:ea typeface=""/>
         <a:cs typeface=""/>
         <a:font script="Jpan" typeface="ＭＳ Ｐゴシック"/>
@@ -5278,7 +5170,7 @@
         <a:font script="Geor" typeface="Sylfaen"/>
       </a:majorFont>
       <a:minorFont>
-        <a:latin typeface="Calibri"/>
+        <a:latin typeface="Calibri" panose="020F0502020204030204"/>
         <a:ea typeface=""/>
         <a:cs typeface=""/>
         <a:font script="Jpan" typeface="ＭＳ Ｐゴシック"/>
@@ -5322,200 +5214,141 @@
           <a:gsLst>
             <a:gs pos="0">
               <a:schemeClr val="phClr">
-                <a:tint val="50000"/>
-                <a:satMod val="300000"/>
+                <a:lumMod val="110000"/>
+                <a:satMod val="105000"/>
+                <a:tint val="67000"/>
               </a:schemeClr>
             </a:gs>
-            <a:gs pos="35000">
+            <a:gs pos="50000">
               <a:schemeClr val="phClr">
-                <a:tint val="37000"/>
-                <a:satMod val="300000"/>
+                <a:lumMod val="105000"/>
+                <a:satMod val="103000"/>
+                <a:tint val="73000"/>
               </a:schemeClr>
             </a:gs>
             <a:gs pos="100000">
               <a:schemeClr val="phClr">
-                <a:tint val="15000"/>
-                <a:satMod val="350000"/>
+                <a:lumMod val="105000"/>
+                <a:satMod val="109000"/>
+                <a:tint val="81000"/>
               </a:schemeClr>
             </a:gs>
           </a:gsLst>
-          <a:lin ang="16200000" scaled="1"/>
+          <a:lin ang="5400000" scaled="0"/>
         </a:gradFill>
         <a:gradFill rotWithShape="1">
           <a:gsLst>
             <a:gs pos="0">
               <a:schemeClr val="phClr">
-                <a:tint val="100000"/>
+                <a:satMod val="103000"/>
+                <a:lumMod val="102000"/>
+                <a:tint val="94000"/>
+              </a:schemeClr>
+            </a:gs>
+            <a:gs pos="50000">
+              <a:schemeClr val="phClr">
+                <a:satMod val="110000"/>
+                <a:lumMod val="100000"/>
                 <a:shade val="100000"/>
-                <a:satMod val="130000"/>
               </a:schemeClr>
             </a:gs>
             <a:gs pos="100000">
               <a:schemeClr val="phClr">
-                <a:tint val="50000"/>
-                <a:shade val="100000"/>
-                <a:satMod val="350000"/>
+                <a:lumMod val="99000"/>
+                <a:satMod val="120000"/>
+                <a:shade val="78000"/>
               </a:schemeClr>
             </a:gs>
           </a:gsLst>
-          <a:lin ang="16200000" scaled="0"/>
+          <a:lin ang="5400000" scaled="0"/>
         </a:gradFill>
       </a:fillStyleLst>
       <a:lnStyleLst>
-        <a:ln w="9525" cap="flat" cmpd="sng" algn="ctr">
-          <a:solidFill>
-            <a:schemeClr val="phClr">
-              <a:shade val="95000"/>
-              <a:satMod val="105000"/>
-            </a:schemeClr>
-          </a:solidFill>
-          <a:prstDash val="solid"/>
-        </a:ln>
-        <a:ln w="25400" cap="flat" cmpd="sng" algn="ctr">
+        <a:ln w="6350" cap="flat" cmpd="sng" algn="ctr">
           <a:solidFill>
             <a:schemeClr val="phClr"/>
           </a:solidFill>
           <a:prstDash val="solid"/>
+          <a:miter lim="800000"/>
         </a:ln>
-        <a:ln w="38100" cap="flat" cmpd="sng" algn="ctr">
+        <a:ln w="12700" cap="flat" cmpd="sng" algn="ctr">
           <a:solidFill>
             <a:schemeClr val="phClr"/>
           </a:solidFill>
           <a:prstDash val="solid"/>
+          <a:miter lim="800000"/>
+        </a:ln>
+        <a:ln w="19050" cap="flat" cmpd="sng" algn="ctr">
+          <a:solidFill>
+            <a:schemeClr val="phClr"/>
+          </a:solidFill>
+          <a:prstDash val="solid"/>
+          <a:miter lim="800000"/>
         </a:ln>
       </a:lnStyleLst>
       <a:effectStyleLst>
         <a:effectStyle>
+          <a:effectLst/>
+        </a:effectStyle>
+        <a:effectStyle>
+          <a:effectLst/>
+        </a:effectStyle>
+        <a:effectStyle>
           <a:effectLst>
-            <a:outerShdw blurRad="40000" dist="20000" dir="5400000" rotWithShape="0">
+            <a:outerShdw blurRad="57150" dist="19050" dir="5400000" algn="ctr" rotWithShape="0">
               <a:srgbClr val="000000">
-                <a:alpha val="38000"/>
+                <a:alpha val="63000"/>
               </a:srgbClr>
             </a:outerShdw>
           </a:effectLst>
-        </a:effectStyle>
-        <a:effectStyle>
-          <a:effectLst>
-            <a:outerShdw blurRad="40000" dist="23000" dir="5400000" rotWithShape="0">
-              <a:srgbClr val="000000">
-                <a:alpha val="35000"/>
-              </a:srgbClr>
-            </a:outerShdw>
-          </a:effectLst>
-        </a:effectStyle>
-        <a:effectStyle>
-          <a:effectLst>
-            <a:outerShdw blurRad="40000" dist="23000" dir="5400000" rotWithShape="0">
-              <a:srgbClr val="000000">
-                <a:alpha val="35000"/>
-              </a:srgbClr>
-            </a:outerShdw>
-          </a:effectLst>
-          <a:scene3d>
-            <a:camera prst="orthographicFront">
-              <a:rot lat="0" lon="0" rev="0"/>
-            </a:camera>
-            <a:lightRig rig="threePt" dir="t">
-              <a:rot lat="0" lon="0" rev="1200000"/>
-            </a:lightRig>
-          </a:scene3d>
-          <a:sp3d>
-            <a:bevelT w="63500" h="25400"/>
-          </a:sp3d>
         </a:effectStyle>
       </a:effectStyleLst>
       <a:bgFillStyleLst>
         <a:solidFill>
           <a:schemeClr val="phClr"/>
         </a:solidFill>
+        <a:solidFill>
+          <a:schemeClr val="phClr">
+            <a:tint val="95000"/>
+            <a:satMod val="170000"/>
+          </a:schemeClr>
+        </a:solidFill>
         <a:gradFill rotWithShape="1">
           <a:gsLst>
             <a:gs pos="0">
               <a:schemeClr val="phClr">
-                <a:tint val="40000"/>
-                <a:satMod val="350000"/>
+                <a:tint val="93000"/>
+                <a:satMod val="150000"/>
+                <a:shade val="98000"/>
+                <a:lumMod val="102000"/>
               </a:schemeClr>
             </a:gs>
-            <a:gs pos="40000">
+            <a:gs pos="50000">
               <a:schemeClr val="phClr">
-                <a:tint val="45000"/>
-                <a:shade val="99000"/>
-                <a:satMod val="350000"/>
+                <a:tint val="98000"/>
+                <a:satMod val="130000"/>
+                <a:shade val="90000"/>
+                <a:lumMod val="103000"/>
               </a:schemeClr>
             </a:gs>
             <a:gs pos="100000">
               <a:schemeClr val="phClr">
-                <a:shade val="20000"/>
-                <a:satMod val="255000"/>
+                <a:shade val="63000"/>
+                <a:satMod val="120000"/>
               </a:schemeClr>
             </a:gs>
           </a:gsLst>
-          <a:path path="circle">
-            <a:fillToRect l="50000" t="-80000" r="50000" b="180000"/>
-          </a:path>
-        </a:gradFill>
-        <a:gradFill rotWithShape="1">
-          <a:gsLst>
-            <a:gs pos="0">
-              <a:schemeClr val="phClr">
-                <a:tint val="80000"/>
-                <a:satMod val="300000"/>
-              </a:schemeClr>
-            </a:gs>
-            <a:gs pos="100000">
-              <a:schemeClr val="phClr">
-                <a:shade val="30000"/>
-                <a:satMod val="200000"/>
-              </a:schemeClr>
-            </a:gs>
-          </a:gsLst>
-          <a:path path="circle">
-            <a:fillToRect l="50000" t="50000" r="50000" b="50000"/>
-          </a:path>
+          <a:lin ang="5400000" scaled="0"/>
         </a:gradFill>
       </a:bgFillStyleLst>
     </a:fmtScheme>
   </a:themeElements>
-  <a:objectDefaults>
-    <a:spDef>
-      <a:spPr/>
-      <a:bodyPr/>
-      <a:lstStyle/>
-      <a:style>
-        <a:lnRef idx="1">
-          <a:schemeClr val="accent1"/>
-        </a:lnRef>
-        <a:fillRef idx="3">
-          <a:schemeClr val="accent1"/>
-        </a:fillRef>
-        <a:effectRef idx="2">
-          <a:schemeClr val="accent1"/>
-        </a:effectRef>
-        <a:fontRef idx="minor">
-          <a:schemeClr val="lt1"/>
-        </a:fontRef>
-      </a:style>
-    </a:spDef>
-    <a:lnDef>
-      <a:spPr/>
-      <a:bodyPr/>
-      <a:lstStyle/>
-      <a:style>
-        <a:lnRef idx="2">
-          <a:schemeClr val="accent1"/>
-        </a:lnRef>
-        <a:fillRef idx="0">
-          <a:schemeClr val="accent1"/>
-        </a:fillRef>
-        <a:effectRef idx="1">
-          <a:schemeClr val="accent1"/>
-        </a:effectRef>
-        <a:fontRef idx="minor">
-          <a:schemeClr val="tx1"/>
-        </a:fontRef>
-      </a:style>
-    </a:lnDef>
-  </a:objectDefaults>
+  <a:objectDefaults/>
   <a:extraClrSchemeLst/>
+  <a:extLst>
+    <a:ext uri="{05A4C25C-085E-4340-85A3-A5531E510DB2}">
+      <thm15:themeFamily xmlns:thm15="http://schemas.microsoft.com/office/thememl/2012/main" name="Office Theme" id="{62F939B6-93AF-4DB8-9C6B-D6C7DFDC589F}" vid="{4A3C46E8-61CC-4603-A589-7422A47A8E4A}"/>
+    </a:ext>
+  </a:extLst>
 </a:theme>
 </file>